--- a/units/3/lessons/7/resources/petascale-lesson-3.7-slides.pptx
+++ b/units/3/lessons/7/resources/petascale-lesson-3.7-slides.pptx
@@ -1,28 +1,29 @@
 
 <file path=ppt/presentation.xml><?xml version="1.0" encoding="utf-8"?>
-<p:presentation xmlns:a="http://schemas.openxmlformats.org/drawingml/2006/main" xmlns:r="http://schemas.openxmlformats.org/officeDocument/2006/relationships" xmlns:p="http://schemas.openxmlformats.org/presentationml/2006/main" xmlns:p15="http://schemas.microsoft.com/office/powerpoint/2012/main" saveSubsetFonts="1">
+<p:presentation xmlns:a="http://schemas.openxmlformats.org/drawingml/2006/main" xmlns:r="http://schemas.openxmlformats.org/officeDocument/2006/relationships" xmlns:p="http://schemas.openxmlformats.org/presentationml/2006/main" saveSubsetFonts="1">
   <p:sldMasterIdLst>
-    <p:sldMasterId r:id="rId1" id="2147483648"/>
+    <p:sldMasterId id="2147483648" r:id="rId1"/>
   </p:sldMasterIdLst>
   <p:notesMasterIdLst>
-    <p:notesMasterId r:id="rId17"/>
+    <p:notesMasterId r:id="rId18"/>
   </p:notesMasterIdLst>
   <p:sldIdLst>
-    <p:sldId r:id="rId2" id="256"/>
-    <p:sldId r:id="rId3" id="262"/>
-    <p:sldId r:id="rId4" id="264"/>
-    <p:sldId r:id="rId5" id="270"/>
-    <p:sldId r:id="rId6" id="265"/>
-    <p:sldId r:id="rId7" id="266"/>
-    <p:sldId r:id="rId8" id="267"/>
-    <p:sldId r:id="rId9" id="268"/>
-    <p:sldId r:id="rId10" id="257"/>
-    <p:sldId r:id="rId11" id="258"/>
-    <p:sldId r:id="rId12" id="260"/>
-    <p:sldId r:id="rId13" id="269"/>
-    <p:sldId r:id="rId14" id="272"/>
-    <p:sldId r:id="rId15" id="273"/>
-    <p:sldId r:id="rId16" id="271"/>
+    <p:sldId id="274" r:id="rId2"/>
+    <p:sldId id="275" r:id="rId3"/>
+    <p:sldId id="262" r:id="rId4"/>
+    <p:sldId id="264" r:id="rId5"/>
+    <p:sldId id="270" r:id="rId6"/>
+    <p:sldId id="265" r:id="rId7"/>
+    <p:sldId id="266" r:id="rId8"/>
+    <p:sldId id="267" r:id="rId9"/>
+    <p:sldId id="268" r:id="rId10"/>
+    <p:sldId id="257" r:id="rId11"/>
+    <p:sldId id="258" r:id="rId12"/>
+    <p:sldId id="260" r:id="rId13"/>
+    <p:sldId id="269" r:id="rId14"/>
+    <p:sldId id="272" r:id="rId15"/>
+    <p:sldId id="273" r:id="rId16"/>
+    <p:sldId id="271" r:id="rId17"/>
   </p:sldIdLst>
   <p:sldSz cx="12192000" cy="6858000"/>
   <p:notesSz cx="6858000" cy="9144000"/>
@@ -30,8 +31,8 @@
     <a:defPPr>
       <a:defRPr lang="en-US"/>
     </a:defPPr>
-    <a:lvl1pPr eaLnBrk="1" defTabSz="914400" latinLnBrk="0" rtl="0" marL="0" hangingPunct="1" algn="l">
-      <a:defRPr kern="1200" sz="1800">
+    <a:lvl1pPr marL="0" algn="l" defTabSz="914400" rtl="0" eaLnBrk="1" latinLnBrk="0" hangingPunct="1">
+      <a:defRPr sz="1800" kern="1200">
         <a:solidFill>
           <a:schemeClr val="tx1"/>
         </a:solidFill>
@@ -40,8 +41,8 @@
         <a:cs typeface="+mn-cs"/>
       </a:defRPr>
     </a:lvl1pPr>
-    <a:lvl2pPr eaLnBrk="1" defTabSz="914400" latinLnBrk="0" rtl="0" marL="457200" hangingPunct="1" algn="l">
-      <a:defRPr kern="1200" sz="1800">
+    <a:lvl2pPr marL="457200" algn="l" defTabSz="914400" rtl="0" eaLnBrk="1" latinLnBrk="0" hangingPunct="1">
+      <a:defRPr sz="1800" kern="1200">
         <a:solidFill>
           <a:schemeClr val="tx1"/>
         </a:solidFill>
@@ -50,8 +51,8 @@
         <a:cs typeface="+mn-cs"/>
       </a:defRPr>
     </a:lvl2pPr>
-    <a:lvl3pPr eaLnBrk="1" defTabSz="914400" latinLnBrk="0" rtl="0" marL="914400" hangingPunct="1" algn="l">
-      <a:defRPr kern="1200" sz="1800">
+    <a:lvl3pPr marL="914400" algn="l" defTabSz="914400" rtl="0" eaLnBrk="1" latinLnBrk="0" hangingPunct="1">
+      <a:defRPr sz="1800" kern="1200">
         <a:solidFill>
           <a:schemeClr val="tx1"/>
         </a:solidFill>
@@ -60,8 +61,8 @@
         <a:cs typeface="+mn-cs"/>
       </a:defRPr>
     </a:lvl3pPr>
-    <a:lvl4pPr eaLnBrk="1" defTabSz="914400" latinLnBrk="0" rtl="0" marL="1371600" hangingPunct="1" algn="l">
-      <a:defRPr kern="1200" sz="1800">
+    <a:lvl4pPr marL="1371600" algn="l" defTabSz="914400" rtl="0" eaLnBrk="1" latinLnBrk="0" hangingPunct="1">
+      <a:defRPr sz="1800" kern="1200">
         <a:solidFill>
           <a:schemeClr val="tx1"/>
         </a:solidFill>
@@ -70,8 +71,8 @@
         <a:cs typeface="+mn-cs"/>
       </a:defRPr>
     </a:lvl4pPr>
-    <a:lvl5pPr eaLnBrk="1" defTabSz="914400" latinLnBrk="0" rtl="0" marL="1828800" hangingPunct="1" algn="l">
-      <a:defRPr kern="1200" sz="1800">
+    <a:lvl5pPr marL="1828800" algn="l" defTabSz="914400" rtl="0" eaLnBrk="1" latinLnBrk="0" hangingPunct="1">
+      <a:defRPr sz="1800" kern="1200">
         <a:solidFill>
           <a:schemeClr val="tx1"/>
         </a:solidFill>
@@ -80,8 +81,8 @@
         <a:cs typeface="+mn-cs"/>
       </a:defRPr>
     </a:lvl5pPr>
-    <a:lvl6pPr eaLnBrk="1" defTabSz="914400" latinLnBrk="0" rtl="0" marL="2286000" hangingPunct="1" algn="l">
-      <a:defRPr kern="1200" sz="1800">
+    <a:lvl6pPr marL="2286000" algn="l" defTabSz="914400" rtl="0" eaLnBrk="1" latinLnBrk="0" hangingPunct="1">
+      <a:defRPr sz="1800" kern="1200">
         <a:solidFill>
           <a:schemeClr val="tx1"/>
         </a:solidFill>
@@ -90,8 +91,8 @@
         <a:cs typeface="+mn-cs"/>
       </a:defRPr>
     </a:lvl6pPr>
-    <a:lvl7pPr eaLnBrk="1" defTabSz="914400" latinLnBrk="0" rtl="0" marL="2743200" hangingPunct="1" algn="l">
-      <a:defRPr kern="1200" sz="1800">
+    <a:lvl7pPr marL="2743200" algn="l" defTabSz="914400" rtl="0" eaLnBrk="1" latinLnBrk="0" hangingPunct="1">
+      <a:defRPr sz="1800" kern="1200">
         <a:solidFill>
           <a:schemeClr val="tx1"/>
         </a:solidFill>
@@ -100,8 +101,8 @@
         <a:cs typeface="+mn-cs"/>
       </a:defRPr>
     </a:lvl7pPr>
-    <a:lvl8pPr eaLnBrk="1" defTabSz="914400" latinLnBrk="0" rtl="0" marL="3200400" hangingPunct="1" algn="l">
-      <a:defRPr kern="1200" sz="1800">
+    <a:lvl8pPr marL="3200400" algn="l" defTabSz="914400" rtl="0" eaLnBrk="1" latinLnBrk="0" hangingPunct="1">
+      <a:defRPr sz="1800" kern="1200">
         <a:solidFill>
           <a:schemeClr val="tx1"/>
         </a:solidFill>
@@ -110,8 +111,8 @@
         <a:cs typeface="+mn-cs"/>
       </a:defRPr>
     </a:lvl8pPr>
-    <a:lvl9pPr eaLnBrk="1" defTabSz="914400" latinLnBrk="0" rtl="0" marL="3657600" hangingPunct="1" algn="l">
-      <a:defRPr kern="1200" sz="1800">
+    <a:lvl9pPr marL="3657600" algn="l" defTabSz="914400" rtl="0" eaLnBrk="1" latinLnBrk="0" hangingPunct="1">
+      <a:defRPr sz="1800" kern="1200">
         <a:solidFill>
           <a:schemeClr val="tx1"/>
         </a:solidFill>
@@ -126,7 +127,7 @@
       <p15:sldGuideLst xmlns:p15="http://schemas.microsoft.com/office/powerpoint/2012/main"/>
     </p:ext>
     <p:ext uri="http://customooxmlschemas.google.com/">
-      <go:slidesCustomData xmlns:go="http://customooxmlschemas.google.com/" roundtripDataSignature="AMtx7mhOhAlEUOi/OG3o+t3evIJyqvyxnQ==" r:id="rId23"/>
+      <go:slidesCustomData xmlns:go="http://customooxmlschemas.google.com/" xmlns:p15="http://schemas.microsoft.com/office/powerpoint/2012/main" xmlns="" roundtripDataSignature="AMtx7mhOhAlEUOi/OG3o+t3evIJyqvyxnQ==" r:id="rId23"/>
     </p:ext>
   </p:extLst>
 </p:presentation>
@@ -134,59 +135,8 @@
 
 <file path=ppt/commentAuthors.xml><?xml version="1.0" encoding="utf-8"?>
 <p:cmAuthorLst xmlns:a="http://schemas.openxmlformats.org/drawingml/2006/main" xmlns:r="http://schemas.openxmlformats.org/officeDocument/2006/relationships" xmlns:p="http://schemas.openxmlformats.org/presentationml/2006/main">
-  <p:cmAuthor clrIdx="0" initials="" lastIdx="3" name="Anonymous" id="0"/>
+  <p:cmAuthor id="0" name="Anonymous" initials="" lastIdx="3" clrIdx="0"/>
 </p:cmAuthorLst>
-</file>
-
-<file path=ppt/comments/comment1.xml><?xml version="1.0" encoding="utf-8"?>
-<p:cmLst xmlns:a="http://schemas.openxmlformats.org/drawingml/2006/main" xmlns:r="http://schemas.openxmlformats.org/officeDocument/2006/relationships" xmlns:p="http://schemas.openxmlformats.org/presentationml/2006/main" xmlns:p15="http://schemas.microsoft.com/office/powerpoint/2012/main">
-  <p:cm dt="2020-06-29T19:41:20.011" authorId="0" idx="1">
-    <p:pos x="1024" y="672"/>
-    <p:text>is a graphic missing?</p:text>
-    <p:extLst>
-      <p:ext uri="{C676402C-5697-4E1C-873F-D02D1690AC5C}">
-        <p15:threadingInfo timeZoneBias="0"/>
-      </p:ext>
-      <p:ext uri="http://customooxmlschemas.google.com/">
-        <go:slidesCustomData xmlns:go="http://customooxmlschemas.google.com/" commentPostId="AAAAJu3v2OM"/>
-      </p:ext>
-    </p:extLst>
-  </p:cm>
-</p:cmLst>
-</file>
-
-<file path=ppt/comments/comment2.xml><?xml version="1.0" encoding="utf-8"?>
-<p:cmLst xmlns:a="http://schemas.openxmlformats.org/drawingml/2006/main" xmlns:r="http://schemas.openxmlformats.org/officeDocument/2006/relationships" xmlns:p="http://schemas.openxmlformats.org/presentationml/2006/main" xmlns:p15="http://schemas.microsoft.com/office/powerpoint/2012/main">
-  <p:cm dt="2020-06-29T19:41:05.894" authorId="0" idx="2">
-    <p:pos x="1016" y="944"/>
-    <p:text>It might be good to list the full names of the schools</p:text>
-    <p:extLst>
-      <p:ext uri="{C676402C-5697-4E1C-873F-D02D1690AC5C}">
-        <p15:threadingInfo timeZoneBias="0"/>
-      </p:ext>
-      <p:ext uri="http://customooxmlschemas.google.com/">
-        <go:slidesCustomData xmlns:go="http://customooxmlschemas.google.com/" commentPostId="AAAAJu3v2OI"/>
-      </p:ext>
-    </p:extLst>
-  </p:cm>
-</p:cmLst>
-</file>
-
-<file path=ppt/comments/comment3.xml><?xml version="1.0" encoding="utf-8"?>
-<p:cmLst xmlns:a="http://schemas.openxmlformats.org/drawingml/2006/main" xmlns:r="http://schemas.openxmlformats.org/officeDocument/2006/relationships" xmlns:p="http://schemas.openxmlformats.org/presentationml/2006/main" xmlns:p15="http://schemas.microsoft.com/office/powerpoint/2012/main">
-  <p:cm dt="2020-06-29T19:41:33.330" authorId="0" idx="3">
-    <p:pos x="4768" y="208"/>
-    <p:text>is a graphic missing?</p:text>
-    <p:extLst>
-      <p:ext uri="{C676402C-5697-4E1C-873F-D02D1690AC5C}">
-        <p15:threadingInfo timeZoneBias="0"/>
-      </p:ext>
-      <p:ext uri="http://customooxmlschemas.google.com/">
-        <go:slidesCustomData xmlns:go="http://customooxmlschemas.google.com/" commentPostId="AAAAJu3v2OY"/>
-      </p:ext>
-    </p:extLst>
-  </p:cm>
-</p:cmLst>
 </file>
 
 <file path=ppt/notesMasters/notesMaster1.xml><?xml version="1.0" encoding="utf-8"?>
@@ -271,7 +221,7 @@
           <a:p>
             <a:fld id="{84E1016C-1A58-4CA4-A72C-FFAAF17E373D}" type="datetimeFigureOut">
               <a:rPr lang="en-US" smtClean="0"/>
-              <a:t>6/28/2020</a:t>
+              <a:t>9/12/20</a:t>
             </a:fld>
             <a:endParaRPr lang="en-US"/>
           </a:p>
@@ -603,7 +553,7 @@
           <a:p>
             <a:fld id="{10AA5680-7B1E-4A16-96E2-367CF47F3AED}" type="slidenum">
               <a:rPr lang="en-US" smtClean="0"/>
-              <a:t>8</a:t>
+              <a:t>9</a:t>
             </a:fld>
             <a:endParaRPr lang="en-US"/>
           </a:p>
@@ -690,7 +640,7 @@
           <a:p>
             <a:fld id="{10AA5680-7B1E-4A16-96E2-367CF47F3AED}" type="slidenum">
               <a:rPr lang="en-US" smtClean="0"/>
-              <a:t>11</a:t>
+              <a:t>12</a:t>
             </a:fld>
             <a:endParaRPr lang="en-US"/>
           </a:p>
@@ -731,7 +681,7 @@
           <p:cNvPr id="2" name="Title 1">
             <a:extLst>
               <a:ext uri="{FF2B5EF4-FFF2-40B4-BE49-F238E27FC236}">
-                <a16:creationId xmlns:a16="http://schemas.microsoft.com/office/drawing/2014/main" id="{4BF1548A-031C-4017-A469-1F6F57DFA337}"/>
+                <a16:creationId xmlns:a16="http://schemas.microsoft.com/office/drawing/2014/main" xmlns="" id="{4BF1548A-031C-4017-A469-1F6F57DFA337}"/>
               </a:ext>
             </a:extLst>
           </p:cNvPr>
@@ -768,7 +718,7 @@
           <p:cNvPr id="3" name="Subtitle 2">
             <a:extLst>
               <a:ext uri="{FF2B5EF4-FFF2-40B4-BE49-F238E27FC236}">
-                <a16:creationId xmlns:a16="http://schemas.microsoft.com/office/drawing/2014/main" id="{74304642-FB16-43CB-BDB2-BE565D19B085}"/>
+                <a16:creationId xmlns:a16="http://schemas.microsoft.com/office/drawing/2014/main" xmlns="" id="{74304642-FB16-43CB-BDB2-BE565D19B085}"/>
               </a:ext>
             </a:extLst>
           </p:cNvPr>
@@ -838,7 +788,7 @@
           <p:cNvPr id="4" name="Date Placeholder 3">
             <a:extLst>
               <a:ext uri="{FF2B5EF4-FFF2-40B4-BE49-F238E27FC236}">
-                <a16:creationId xmlns:a16="http://schemas.microsoft.com/office/drawing/2014/main" id="{9E17A357-5A12-4FB6-831E-263725DE7068}"/>
+                <a16:creationId xmlns:a16="http://schemas.microsoft.com/office/drawing/2014/main" xmlns="" id="{9E17A357-5A12-4FB6-831E-263725DE7068}"/>
               </a:ext>
             </a:extLst>
           </p:cNvPr>
@@ -856,7 +806,7 @@
           <a:p>
             <a:fld id="{3C4DF5B9-6226-4C75-9420-E8D17C4C152E}" type="datetimeFigureOut">
               <a:rPr lang="en-US" smtClean="0"/>
-              <a:t>6/28/2020</a:t>
+              <a:t>9/12/20</a:t>
             </a:fld>
             <a:endParaRPr lang="en-US"/>
           </a:p>
@@ -867,7 +817,7 @@
           <p:cNvPr id="5" name="Footer Placeholder 4">
             <a:extLst>
               <a:ext uri="{FF2B5EF4-FFF2-40B4-BE49-F238E27FC236}">
-                <a16:creationId xmlns:a16="http://schemas.microsoft.com/office/drawing/2014/main" id="{3B560D76-737D-4F45-B02B-C64E83044C23}"/>
+                <a16:creationId xmlns:a16="http://schemas.microsoft.com/office/drawing/2014/main" xmlns="" id="{3B560D76-737D-4F45-B02B-C64E83044C23}"/>
               </a:ext>
             </a:extLst>
           </p:cNvPr>
@@ -892,7 +842,7 @@
           <p:cNvPr id="6" name="Slide Number Placeholder 5">
             <a:extLst>
               <a:ext uri="{FF2B5EF4-FFF2-40B4-BE49-F238E27FC236}">
-                <a16:creationId xmlns:a16="http://schemas.microsoft.com/office/drawing/2014/main" id="{711C5EBC-DAA7-44A9-87F6-D6E5BF882F57}"/>
+                <a16:creationId xmlns:a16="http://schemas.microsoft.com/office/drawing/2014/main" xmlns="" id="{711C5EBC-DAA7-44A9-87F6-D6E5BF882F57}"/>
               </a:ext>
             </a:extLst>
           </p:cNvPr>
@@ -951,7 +901,7 @@
           <p:cNvPr id="2" name="Title 1">
             <a:extLst>
               <a:ext uri="{FF2B5EF4-FFF2-40B4-BE49-F238E27FC236}">
-                <a16:creationId xmlns:a16="http://schemas.microsoft.com/office/drawing/2014/main" id="{92017ED8-32D3-48A9-865B-D1F7D0D54091}"/>
+                <a16:creationId xmlns:a16="http://schemas.microsoft.com/office/drawing/2014/main" xmlns="" id="{92017ED8-32D3-48A9-865B-D1F7D0D54091}"/>
               </a:ext>
             </a:extLst>
           </p:cNvPr>
@@ -979,7 +929,7 @@
           <p:cNvPr id="3" name="Vertical Text Placeholder 2">
             <a:extLst>
               <a:ext uri="{FF2B5EF4-FFF2-40B4-BE49-F238E27FC236}">
-                <a16:creationId xmlns:a16="http://schemas.microsoft.com/office/drawing/2014/main" id="{42CC3ACB-AF72-4D39-8202-0ABA6ADAAFFC}"/>
+                <a16:creationId xmlns:a16="http://schemas.microsoft.com/office/drawing/2014/main" xmlns="" id="{42CC3ACB-AF72-4D39-8202-0ABA6ADAAFFC}"/>
               </a:ext>
             </a:extLst>
           </p:cNvPr>
@@ -1036,7 +986,7 @@
           <p:cNvPr id="4" name="Date Placeholder 3">
             <a:extLst>
               <a:ext uri="{FF2B5EF4-FFF2-40B4-BE49-F238E27FC236}">
-                <a16:creationId xmlns:a16="http://schemas.microsoft.com/office/drawing/2014/main" id="{CBAE86A8-0336-475E-8C53-378986A0913F}"/>
+                <a16:creationId xmlns:a16="http://schemas.microsoft.com/office/drawing/2014/main" xmlns="" id="{CBAE86A8-0336-475E-8C53-378986A0913F}"/>
               </a:ext>
             </a:extLst>
           </p:cNvPr>
@@ -1054,7 +1004,7 @@
           <a:p>
             <a:fld id="{3C4DF5B9-6226-4C75-9420-E8D17C4C152E}" type="datetimeFigureOut">
               <a:rPr lang="en-US" smtClean="0"/>
-              <a:t>6/28/2020</a:t>
+              <a:t>9/12/20</a:t>
             </a:fld>
             <a:endParaRPr lang="en-US"/>
           </a:p>
@@ -1065,7 +1015,7 @@
           <p:cNvPr id="5" name="Footer Placeholder 4">
             <a:extLst>
               <a:ext uri="{FF2B5EF4-FFF2-40B4-BE49-F238E27FC236}">
-                <a16:creationId xmlns:a16="http://schemas.microsoft.com/office/drawing/2014/main" id="{7DAF4AD7-F88E-4B18-978A-9BD28F63CC1A}"/>
+                <a16:creationId xmlns:a16="http://schemas.microsoft.com/office/drawing/2014/main" xmlns="" id="{7DAF4AD7-F88E-4B18-978A-9BD28F63CC1A}"/>
               </a:ext>
             </a:extLst>
           </p:cNvPr>
@@ -1090,7 +1040,7 @@
           <p:cNvPr id="6" name="Slide Number Placeholder 5">
             <a:extLst>
               <a:ext uri="{FF2B5EF4-FFF2-40B4-BE49-F238E27FC236}">
-                <a16:creationId xmlns:a16="http://schemas.microsoft.com/office/drawing/2014/main" id="{0ACE9313-B78B-4B28-9BBD-0BA91A2593EA}"/>
+                <a16:creationId xmlns:a16="http://schemas.microsoft.com/office/drawing/2014/main" xmlns="" id="{0ACE9313-B78B-4B28-9BBD-0BA91A2593EA}"/>
               </a:ext>
             </a:extLst>
           </p:cNvPr>
@@ -1149,7 +1099,7 @@
           <p:cNvPr id="2" name="Vertical Title 1">
             <a:extLst>
               <a:ext uri="{FF2B5EF4-FFF2-40B4-BE49-F238E27FC236}">
-                <a16:creationId xmlns:a16="http://schemas.microsoft.com/office/drawing/2014/main" id="{ACDED3BC-5406-4FD7-8220-DA00CDF3FFE2}"/>
+                <a16:creationId xmlns:a16="http://schemas.microsoft.com/office/drawing/2014/main" xmlns="" id="{ACDED3BC-5406-4FD7-8220-DA00CDF3FFE2}"/>
               </a:ext>
             </a:extLst>
           </p:cNvPr>
@@ -1182,7 +1132,7 @@
           <p:cNvPr id="3" name="Vertical Text Placeholder 2">
             <a:extLst>
               <a:ext uri="{FF2B5EF4-FFF2-40B4-BE49-F238E27FC236}">
-                <a16:creationId xmlns:a16="http://schemas.microsoft.com/office/drawing/2014/main" id="{DC33A346-AFBF-4885-ABCB-E5FE8DA8A816}"/>
+                <a16:creationId xmlns:a16="http://schemas.microsoft.com/office/drawing/2014/main" xmlns="" id="{DC33A346-AFBF-4885-ABCB-E5FE8DA8A816}"/>
               </a:ext>
             </a:extLst>
           </p:cNvPr>
@@ -1244,7 +1194,7 @@
           <p:cNvPr id="4" name="Date Placeholder 3">
             <a:extLst>
               <a:ext uri="{FF2B5EF4-FFF2-40B4-BE49-F238E27FC236}">
-                <a16:creationId xmlns:a16="http://schemas.microsoft.com/office/drawing/2014/main" id="{D1C59FBE-5C0E-46E3-8F73-D3B85FFB7049}"/>
+                <a16:creationId xmlns:a16="http://schemas.microsoft.com/office/drawing/2014/main" xmlns="" id="{D1C59FBE-5C0E-46E3-8F73-D3B85FFB7049}"/>
               </a:ext>
             </a:extLst>
           </p:cNvPr>
@@ -1262,7 +1212,7 @@
           <a:p>
             <a:fld id="{3C4DF5B9-6226-4C75-9420-E8D17C4C152E}" type="datetimeFigureOut">
               <a:rPr lang="en-US" smtClean="0"/>
-              <a:t>6/28/2020</a:t>
+              <a:t>9/12/20</a:t>
             </a:fld>
             <a:endParaRPr lang="en-US"/>
           </a:p>
@@ -1273,7 +1223,7 @@
           <p:cNvPr id="5" name="Footer Placeholder 4">
             <a:extLst>
               <a:ext uri="{FF2B5EF4-FFF2-40B4-BE49-F238E27FC236}">
-                <a16:creationId xmlns:a16="http://schemas.microsoft.com/office/drawing/2014/main" id="{AD2B8963-6DEF-4C8E-9E8B-3657C93F1301}"/>
+                <a16:creationId xmlns:a16="http://schemas.microsoft.com/office/drawing/2014/main" xmlns="" id="{AD2B8963-6DEF-4C8E-9E8B-3657C93F1301}"/>
               </a:ext>
             </a:extLst>
           </p:cNvPr>
@@ -1298,7 +1248,7 @@
           <p:cNvPr id="6" name="Slide Number Placeholder 5">
             <a:extLst>
               <a:ext uri="{FF2B5EF4-FFF2-40B4-BE49-F238E27FC236}">
-                <a16:creationId xmlns:a16="http://schemas.microsoft.com/office/drawing/2014/main" id="{388038DF-83CC-45F7-90AD-68EA5D4E83A4}"/>
+                <a16:creationId xmlns:a16="http://schemas.microsoft.com/office/drawing/2014/main" xmlns="" id="{388038DF-83CC-45F7-90AD-68EA5D4E83A4}"/>
               </a:ext>
             </a:extLst>
           </p:cNvPr>
@@ -1357,7 +1307,7 @@
           <p:cNvPr id="2" name="Title 1">
             <a:extLst>
               <a:ext uri="{FF2B5EF4-FFF2-40B4-BE49-F238E27FC236}">
-                <a16:creationId xmlns:a16="http://schemas.microsoft.com/office/drawing/2014/main" id="{77C8F21E-0BA7-4D7B-8E95-5004BB0FB263}"/>
+                <a16:creationId xmlns:a16="http://schemas.microsoft.com/office/drawing/2014/main" xmlns="" id="{77C8F21E-0BA7-4D7B-8E95-5004BB0FB263}"/>
               </a:ext>
             </a:extLst>
           </p:cNvPr>
@@ -1385,7 +1335,7 @@
           <p:cNvPr id="3" name="Content Placeholder 2">
             <a:extLst>
               <a:ext uri="{FF2B5EF4-FFF2-40B4-BE49-F238E27FC236}">
-                <a16:creationId xmlns:a16="http://schemas.microsoft.com/office/drawing/2014/main" id="{A2579068-4E3F-47D8-9543-2CE3A5353012}"/>
+                <a16:creationId xmlns:a16="http://schemas.microsoft.com/office/drawing/2014/main" xmlns="" id="{A2579068-4E3F-47D8-9543-2CE3A5353012}"/>
               </a:ext>
             </a:extLst>
           </p:cNvPr>
@@ -1442,7 +1392,7 @@
           <p:cNvPr id="4" name="Date Placeholder 3">
             <a:extLst>
               <a:ext uri="{FF2B5EF4-FFF2-40B4-BE49-F238E27FC236}">
-                <a16:creationId xmlns:a16="http://schemas.microsoft.com/office/drawing/2014/main" id="{E2D1C011-12E6-44E4-A195-99E6DE27D293}"/>
+                <a16:creationId xmlns:a16="http://schemas.microsoft.com/office/drawing/2014/main" xmlns="" id="{E2D1C011-12E6-44E4-A195-99E6DE27D293}"/>
               </a:ext>
             </a:extLst>
           </p:cNvPr>
@@ -1460,7 +1410,7 @@
           <a:p>
             <a:fld id="{3C4DF5B9-6226-4C75-9420-E8D17C4C152E}" type="datetimeFigureOut">
               <a:rPr lang="en-US" smtClean="0"/>
-              <a:t>6/28/2020</a:t>
+              <a:t>9/12/20</a:t>
             </a:fld>
             <a:endParaRPr lang="en-US"/>
           </a:p>
@@ -1471,7 +1421,7 @@
           <p:cNvPr id="5" name="Footer Placeholder 4">
             <a:extLst>
               <a:ext uri="{FF2B5EF4-FFF2-40B4-BE49-F238E27FC236}">
-                <a16:creationId xmlns:a16="http://schemas.microsoft.com/office/drawing/2014/main" id="{89FA2B6E-3830-4EA4-928D-4D5F317D0F8B}"/>
+                <a16:creationId xmlns:a16="http://schemas.microsoft.com/office/drawing/2014/main" xmlns="" id="{89FA2B6E-3830-4EA4-928D-4D5F317D0F8B}"/>
               </a:ext>
             </a:extLst>
           </p:cNvPr>
@@ -1496,7 +1446,7 @@
           <p:cNvPr id="6" name="Slide Number Placeholder 5">
             <a:extLst>
               <a:ext uri="{FF2B5EF4-FFF2-40B4-BE49-F238E27FC236}">
-                <a16:creationId xmlns:a16="http://schemas.microsoft.com/office/drawing/2014/main" id="{68C8C216-3724-451A-BE89-E30F691F09CB}"/>
+                <a16:creationId xmlns:a16="http://schemas.microsoft.com/office/drawing/2014/main" xmlns="" id="{68C8C216-3724-451A-BE89-E30F691F09CB}"/>
               </a:ext>
             </a:extLst>
           </p:cNvPr>
@@ -1555,7 +1505,7 @@
           <p:cNvPr id="2" name="Title 1">
             <a:extLst>
               <a:ext uri="{FF2B5EF4-FFF2-40B4-BE49-F238E27FC236}">
-                <a16:creationId xmlns:a16="http://schemas.microsoft.com/office/drawing/2014/main" id="{231B92F1-AE35-479A-A1DB-99B1583CDD81}"/>
+                <a16:creationId xmlns:a16="http://schemas.microsoft.com/office/drawing/2014/main" xmlns="" id="{231B92F1-AE35-479A-A1DB-99B1583CDD81}"/>
               </a:ext>
             </a:extLst>
           </p:cNvPr>
@@ -1592,7 +1542,7 @@
           <p:cNvPr id="3" name="Text Placeholder 2">
             <a:extLst>
               <a:ext uri="{FF2B5EF4-FFF2-40B4-BE49-F238E27FC236}">
-                <a16:creationId xmlns:a16="http://schemas.microsoft.com/office/drawing/2014/main" id="{510A97F5-CF09-4A2D-BF21-2B70E8AD551C}"/>
+                <a16:creationId xmlns:a16="http://schemas.microsoft.com/office/drawing/2014/main" xmlns="" id="{510A97F5-CF09-4A2D-BF21-2B70E8AD551C}"/>
               </a:ext>
             </a:extLst>
           </p:cNvPr>
@@ -1717,7 +1667,7 @@
           <p:cNvPr id="4" name="Date Placeholder 3">
             <a:extLst>
               <a:ext uri="{FF2B5EF4-FFF2-40B4-BE49-F238E27FC236}">
-                <a16:creationId xmlns:a16="http://schemas.microsoft.com/office/drawing/2014/main" id="{0301327A-1010-450D-8DDD-14CC7ECF3AAB}"/>
+                <a16:creationId xmlns:a16="http://schemas.microsoft.com/office/drawing/2014/main" xmlns="" id="{0301327A-1010-450D-8DDD-14CC7ECF3AAB}"/>
               </a:ext>
             </a:extLst>
           </p:cNvPr>
@@ -1735,7 +1685,7 @@
           <a:p>
             <a:fld id="{3C4DF5B9-6226-4C75-9420-E8D17C4C152E}" type="datetimeFigureOut">
               <a:rPr lang="en-US" smtClean="0"/>
-              <a:t>6/28/2020</a:t>
+              <a:t>9/12/20</a:t>
             </a:fld>
             <a:endParaRPr lang="en-US"/>
           </a:p>
@@ -1746,7 +1696,7 @@
           <p:cNvPr id="5" name="Footer Placeholder 4">
             <a:extLst>
               <a:ext uri="{FF2B5EF4-FFF2-40B4-BE49-F238E27FC236}">
-                <a16:creationId xmlns:a16="http://schemas.microsoft.com/office/drawing/2014/main" id="{9A389986-F889-43BB-BCFC-AF6054064011}"/>
+                <a16:creationId xmlns:a16="http://schemas.microsoft.com/office/drawing/2014/main" xmlns="" id="{9A389986-F889-43BB-BCFC-AF6054064011}"/>
               </a:ext>
             </a:extLst>
           </p:cNvPr>
@@ -1771,7 +1721,7 @@
           <p:cNvPr id="6" name="Slide Number Placeholder 5">
             <a:extLst>
               <a:ext uri="{FF2B5EF4-FFF2-40B4-BE49-F238E27FC236}">
-                <a16:creationId xmlns:a16="http://schemas.microsoft.com/office/drawing/2014/main" id="{2646CBB6-A5A9-4B55-85FE-AC05DF608DE8}"/>
+                <a16:creationId xmlns:a16="http://schemas.microsoft.com/office/drawing/2014/main" xmlns="" id="{2646CBB6-A5A9-4B55-85FE-AC05DF608DE8}"/>
               </a:ext>
             </a:extLst>
           </p:cNvPr>
@@ -1830,7 +1780,7 @@
           <p:cNvPr id="2" name="Title 1">
             <a:extLst>
               <a:ext uri="{FF2B5EF4-FFF2-40B4-BE49-F238E27FC236}">
-                <a16:creationId xmlns:a16="http://schemas.microsoft.com/office/drawing/2014/main" id="{D2B07227-E424-4031-BBB3-2AD61C3D0DE3}"/>
+                <a16:creationId xmlns:a16="http://schemas.microsoft.com/office/drawing/2014/main" xmlns="" id="{D2B07227-E424-4031-BBB3-2AD61C3D0DE3}"/>
               </a:ext>
             </a:extLst>
           </p:cNvPr>
@@ -1858,7 +1808,7 @@
           <p:cNvPr id="3" name="Content Placeholder 2">
             <a:extLst>
               <a:ext uri="{FF2B5EF4-FFF2-40B4-BE49-F238E27FC236}">
-                <a16:creationId xmlns:a16="http://schemas.microsoft.com/office/drawing/2014/main" id="{4BBE14F5-39A7-48DA-9FA0-D66708895C74}"/>
+                <a16:creationId xmlns:a16="http://schemas.microsoft.com/office/drawing/2014/main" xmlns="" id="{4BBE14F5-39A7-48DA-9FA0-D66708895C74}"/>
               </a:ext>
             </a:extLst>
           </p:cNvPr>
@@ -1920,7 +1870,7 @@
           <p:cNvPr id="4" name="Content Placeholder 3">
             <a:extLst>
               <a:ext uri="{FF2B5EF4-FFF2-40B4-BE49-F238E27FC236}">
-                <a16:creationId xmlns:a16="http://schemas.microsoft.com/office/drawing/2014/main" id="{CAD71E3C-60A0-4402-8888-62897F4CE693}"/>
+                <a16:creationId xmlns:a16="http://schemas.microsoft.com/office/drawing/2014/main" xmlns="" id="{CAD71E3C-60A0-4402-8888-62897F4CE693}"/>
               </a:ext>
             </a:extLst>
           </p:cNvPr>
@@ -1982,7 +1932,7 @@
           <p:cNvPr id="5" name="Date Placeholder 4">
             <a:extLst>
               <a:ext uri="{FF2B5EF4-FFF2-40B4-BE49-F238E27FC236}">
-                <a16:creationId xmlns:a16="http://schemas.microsoft.com/office/drawing/2014/main" id="{219C5DB4-2DC8-4210-B2F1-9F366713038C}"/>
+                <a16:creationId xmlns:a16="http://schemas.microsoft.com/office/drawing/2014/main" xmlns="" id="{219C5DB4-2DC8-4210-B2F1-9F366713038C}"/>
               </a:ext>
             </a:extLst>
           </p:cNvPr>
@@ -2000,7 +1950,7 @@
           <a:p>
             <a:fld id="{3C4DF5B9-6226-4C75-9420-E8D17C4C152E}" type="datetimeFigureOut">
               <a:rPr lang="en-US" smtClean="0"/>
-              <a:t>6/28/2020</a:t>
+              <a:t>9/12/20</a:t>
             </a:fld>
             <a:endParaRPr lang="en-US"/>
           </a:p>
@@ -2011,7 +1961,7 @@
           <p:cNvPr id="6" name="Footer Placeholder 5">
             <a:extLst>
               <a:ext uri="{FF2B5EF4-FFF2-40B4-BE49-F238E27FC236}">
-                <a16:creationId xmlns:a16="http://schemas.microsoft.com/office/drawing/2014/main" id="{D4F7ABFA-7B68-4E83-8E08-7F5B44E13869}"/>
+                <a16:creationId xmlns:a16="http://schemas.microsoft.com/office/drawing/2014/main" xmlns="" id="{D4F7ABFA-7B68-4E83-8E08-7F5B44E13869}"/>
               </a:ext>
             </a:extLst>
           </p:cNvPr>
@@ -2036,7 +1986,7 @@
           <p:cNvPr id="7" name="Slide Number Placeholder 6">
             <a:extLst>
               <a:ext uri="{FF2B5EF4-FFF2-40B4-BE49-F238E27FC236}">
-                <a16:creationId xmlns:a16="http://schemas.microsoft.com/office/drawing/2014/main" id="{FE71CF60-10D0-4244-A96C-6C488AF3915D}"/>
+                <a16:creationId xmlns:a16="http://schemas.microsoft.com/office/drawing/2014/main" xmlns="" id="{FE71CF60-10D0-4244-A96C-6C488AF3915D}"/>
               </a:ext>
             </a:extLst>
           </p:cNvPr>
@@ -2095,7 +2045,7 @@
           <p:cNvPr id="2" name="Title 1">
             <a:extLst>
               <a:ext uri="{FF2B5EF4-FFF2-40B4-BE49-F238E27FC236}">
-                <a16:creationId xmlns:a16="http://schemas.microsoft.com/office/drawing/2014/main" id="{73073737-E7AA-4A77-AF7F-BCB0E39084AD}"/>
+                <a16:creationId xmlns:a16="http://schemas.microsoft.com/office/drawing/2014/main" xmlns="" id="{73073737-E7AA-4A77-AF7F-BCB0E39084AD}"/>
               </a:ext>
             </a:extLst>
           </p:cNvPr>
@@ -2128,7 +2078,7 @@
           <p:cNvPr id="3" name="Text Placeholder 2">
             <a:extLst>
               <a:ext uri="{FF2B5EF4-FFF2-40B4-BE49-F238E27FC236}">
-                <a16:creationId xmlns:a16="http://schemas.microsoft.com/office/drawing/2014/main" id="{CA96E096-0255-4086-9035-A63535906FF5}"/>
+                <a16:creationId xmlns:a16="http://schemas.microsoft.com/office/drawing/2014/main" xmlns="" id="{CA96E096-0255-4086-9035-A63535906FF5}"/>
               </a:ext>
             </a:extLst>
           </p:cNvPr>
@@ -2199,7 +2149,7 @@
           <p:cNvPr id="4" name="Content Placeholder 3">
             <a:extLst>
               <a:ext uri="{FF2B5EF4-FFF2-40B4-BE49-F238E27FC236}">
-                <a16:creationId xmlns:a16="http://schemas.microsoft.com/office/drawing/2014/main" id="{3437967A-F630-4562-994C-1C8CDD8258BC}"/>
+                <a16:creationId xmlns:a16="http://schemas.microsoft.com/office/drawing/2014/main" xmlns="" id="{3437967A-F630-4562-994C-1C8CDD8258BC}"/>
               </a:ext>
             </a:extLst>
           </p:cNvPr>
@@ -2261,7 +2211,7 @@
           <p:cNvPr id="5" name="Text Placeholder 4">
             <a:extLst>
               <a:ext uri="{FF2B5EF4-FFF2-40B4-BE49-F238E27FC236}">
-                <a16:creationId xmlns:a16="http://schemas.microsoft.com/office/drawing/2014/main" id="{C187920C-D647-4D12-8724-F4AC8CAFD5DB}"/>
+                <a16:creationId xmlns:a16="http://schemas.microsoft.com/office/drawing/2014/main" xmlns="" id="{C187920C-D647-4D12-8724-F4AC8CAFD5DB}"/>
               </a:ext>
             </a:extLst>
           </p:cNvPr>
@@ -2332,7 +2282,7 @@
           <p:cNvPr id="6" name="Content Placeholder 5">
             <a:extLst>
               <a:ext uri="{FF2B5EF4-FFF2-40B4-BE49-F238E27FC236}">
-                <a16:creationId xmlns:a16="http://schemas.microsoft.com/office/drawing/2014/main" id="{20E33A59-014F-4CCE-81F9-97B02615123A}"/>
+                <a16:creationId xmlns:a16="http://schemas.microsoft.com/office/drawing/2014/main" xmlns="" id="{20E33A59-014F-4CCE-81F9-97B02615123A}"/>
               </a:ext>
             </a:extLst>
           </p:cNvPr>
@@ -2394,7 +2344,7 @@
           <p:cNvPr id="7" name="Date Placeholder 6">
             <a:extLst>
               <a:ext uri="{FF2B5EF4-FFF2-40B4-BE49-F238E27FC236}">
-                <a16:creationId xmlns:a16="http://schemas.microsoft.com/office/drawing/2014/main" id="{4BA08CB2-C117-447E-A916-0D66CF4D8AD2}"/>
+                <a16:creationId xmlns:a16="http://schemas.microsoft.com/office/drawing/2014/main" xmlns="" id="{4BA08CB2-C117-447E-A916-0D66CF4D8AD2}"/>
               </a:ext>
             </a:extLst>
           </p:cNvPr>
@@ -2412,7 +2362,7 @@
           <a:p>
             <a:fld id="{3C4DF5B9-6226-4C75-9420-E8D17C4C152E}" type="datetimeFigureOut">
               <a:rPr lang="en-US" smtClean="0"/>
-              <a:t>6/28/2020</a:t>
+              <a:t>9/12/20</a:t>
             </a:fld>
             <a:endParaRPr lang="en-US"/>
           </a:p>
@@ -2423,7 +2373,7 @@
           <p:cNvPr id="8" name="Footer Placeholder 7">
             <a:extLst>
               <a:ext uri="{FF2B5EF4-FFF2-40B4-BE49-F238E27FC236}">
-                <a16:creationId xmlns:a16="http://schemas.microsoft.com/office/drawing/2014/main" id="{D29D0CA4-543C-4E0A-A731-7C56C357D378}"/>
+                <a16:creationId xmlns:a16="http://schemas.microsoft.com/office/drawing/2014/main" xmlns="" id="{D29D0CA4-543C-4E0A-A731-7C56C357D378}"/>
               </a:ext>
             </a:extLst>
           </p:cNvPr>
@@ -2448,7 +2398,7 @@
           <p:cNvPr id="9" name="Slide Number Placeholder 8">
             <a:extLst>
               <a:ext uri="{FF2B5EF4-FFF2-40B4-BE49-F238E27FC236}">
-                <a16:creationId xmlns:a16="http://schemas.microsoft.com/office/drawing/2014/main" id="{C7257B18-ED85-4692-AE50-1FA346CCC97C}"/>
+                <a16:creationId xmlns:a16="http://schemas.microsoft.com/office/drawing/2014/main" xmlns="" id="{C7257B18-ED85-4692-AE50-1FA346CCC97C}"/>
               </a:ext>
             </a:extLst>
           </p:cNvPr>
@@ -2507,7 +2457,7 @@
           <p:cNvPr id="2" name="Title 1">
             <a:extLst>
               <a:ext uri="{FF2B5EF4-FFF2-40B4-BE49-F238E27FC236}">
-                <a16:creationId xmlns:a16="http://schemas.microsoft.com/office/drawing/2014/main" id="{97579879-9EC8-4EA4-A995-D07D768E4F84}"/>
+                <a16:creationId xmlns:a16="http://schemas.microsoft.com/office/drawing/2014/main" xmlns="" id="{97579879-9EC8-4EA4-A995-D07D768E4F84}"/>
               </a:ext>
             </a:extLst>
           </p:cNvPr>
@@ -2535,7 +2485,7 @@
           <p:cNvPr id="3" name="Date Placeholder 2">
             <a:extLst>
               <a:ext uri="{FF2B5EF4-FFF2-40B4-BE49-F238E27FC236}">
-                <a16:creationId xmlns:a16="http://schemas.microsoft.com/office/drawing/2014/main" id="{56292A33-2D1F-4823-B252-99E97C0D8D03}"/>
+                <a16:creationId xmlns:a16="http://schemas.microsoft.com/office/drawing/2014/main" xmlns="" id="{56292A33-2D1F-4823-B252-99E97C0D8D03}"/>
               </a:ext>
             </a:extLst>
           </p:cNvPr>
@@ -2553,7 +2503,7 @@
           <a:p>
             <a:fld id="{3C4DF5B9-6226-4C75-9420-E8D17C4C152E}" type="datetimeFigureOut">
               <a:rPr lang="en-US" smtClean="0"/>
-              <a:t>6/28/2020</a:t>
+              <a:t>9/12/20</a:t>
             </a:fld>
             <a:endParaRPr lang="en-US"/>
           </a:p>
@@ -2564,7 +2514,7 @@
           <p:cNvPr id="4" name="Footer Placeholder 3">
             <a:extLst>
               <a:ext uri="{FF2B5EF4-FFF2-40B4-BE49-F238E27FC236}">
-                <a16:creationId xmlns:a16="http://schemas.microsoft.com/office/drawing/2014/main" id="{24C7B68E-6BE9-4ED5-B7D3-D74B3AC38C24}"/>
+                <a16:creationId xmlns:a16="http://schemas.microsoft.com/office/drawing/2014/main" xmlns="" id="{24C7B68E-6BE9-4ED5-B7D3-D74B3AC38C24}"/>
               </a:ext>
             </a:extLst>
           </p:cNvPr>
@@ -2589,7 +2539,7 @@
           <p:cNvPr id="5" name="Slide Number Placeholder 4">
             <a:extLst>
               <a:ext uri="{FF2B5EF4-FFF2-40B4-BE49-F238E27FC236}">
-                <a16:creationId xmlns:a16="http://schemas.microsoft.com/office/drawing/2014/main" id="{260CC1B9-4FFC-478E-B58E-91CC1AF27BED}"/>
+                <a16:creationId xmlns:a16="http://schemas.microsoft.com/office/drawing/2014/main" xmlns="" id="{260CC1B9-4FFC-478E-B58E-91CC1AF27BED}"/>
               </a:ext>
             </a:extLst>
           </p:cNvPr>
@@ -2648,7 +2598,7 @@
           <p:cNvPr id="2" name="Date Placeholder 1">
             <a:extLst>
               <a:ext uri="{FF2B5EF4-FFF2-40B4-BE49-F238E27FC236}">
-                <a16:creationId xmlns:a16="http://schemas.microsoft.com/office/drawing/2014/main" id="{36A884B7-E95E-4524-9970-595815250247}"/>
+                <a16:creationId xmlns:a16="http://schemas.microsoft.com/office/drawing/2014/main" xmlns="" id="{36A884B7-E95E-4524-9970-595815250247}"/>
               </a:ext>
             </a:extLst>
           </p:cNvPr>
@@ -2666,7 +2616,7 @@
           <a:p>
             <a:fld id="{3C4DF5B9-6226-4C75-9420-E8D17C4C152E}" type="datetimeFigureOut">
               <a:rPr lang="en-US" smtClean="0"/>
-              <a:t>6/28/2020</a:t>
+              <a:t>9/12/20</a:t>
             </a:fld>
             <a:endParaRPr lang="en-US"/>
           </a:p>
@@ -2677,7 +2627,7 @@
           <p:cNvPr id="3" name="Footer Placeholder 2">
             <a:extLst>
               <a:ext uri="{FF2B5EF4-FFF2-40B4-BE49-F238E27FC236}">
-                <a16:creationId xmlns:a16="http://schemas.microsoft.com/office/drawing/2014/main" id="{85AF3E20-0700-4A4C-9B49-598F14486D7F}"/>
+                <a16:creationId xmlns:a16="http://schemas.microsoft.com/office/drawing/2014/main" xmlns="" id="{85AF3E20-0700-4A4C-9B49-598F14486D7F}"/>
               </a:ext>
             </a:extLst>
           </p:cNvPr>
@@ -2702,7 +2652,7 @@
           <p:cNvPr id="4" name="Slide Number Placeholder 3">
             <a:extLst>
               <a:ext uri="{FF2B5EF4-FFF2-40B4-BE49-F238E27FC236}">
-                <a16:creationId xmlns:a16="http://schemas.microsoft.com/office/drawing/2014/main" id="{2FBE44B5-BA8F-4623-BD93-F657EB2CE23E}"/>
+                <a16:creationId xmlns:a16="http://schemas.microsoft.com/office/drawing/2014/main" xmlns="" id="{2FBE44B5-BA8F-4623-BD93-F657EB2CE23E}"/>
               </a:ext>
             </a:extLst>
           </p:cNvPr>
@@ -2761,7 +2711,7 @@
           <p:cNvPr id="2" name="Title 1">
             <a:extLst>
               <a:ext uri="{FF2B5EF4-FFF2-40B4-BE49-F238E27FC236}">
-                <a16:creationId xmlns:a16="http://schemas.microsoft.com/office/drawing/2014/main" id="{C9DB0524-F63C-4D3B-A166-48089E0CC249}"/>
+                <a16:creationId xmlns:a16="http://schemas.microsoft.com/office/drawing/2014/main" xmlns="" id="{C9DB0524-F63C-4D3B-A166-48089E0CC249}"/>
               </a:ext>
             </a:extLst>
           </p:cNvPr>
@@ -2798,7 +2748,7 @@
           <p:cNvPr id="3" name="Content Placeholder 2">
             <a:extLst>
               <a:ext uri="{FF2B5EF4-FFF2-40B4-BE49-F238E27FC236}">
-                <a16:creationId xmlns:a16="http://schemas.microsoft.com/office/drawing/2014/main" id="{ED01F34B-9227-44D9-8AAC-9F4D9BCC45B9}"/>
+                <a16:creationId xmlns:a16="http://schemas.microsoft.com/office/drawing/2014/main" xmlns="" id="{ED01F34B-9227-44D9-8AAC-9F4D9BCC45B9}"/>
               </a:ext>
             </a:extLst>
           </p:cNvPr>
@@ -2888,7 +2838,7 @@
           <p:cNvPr id="4" name="Text Placeholder 3">
             <a:extLst>
               <a:ext uri="{FF2B5EF4-FFF2-40B4-BE49-F238E27FC236}">
-                <a16:creationId xmlns:a16="http://schemas.microsoft.com/office/drawing/2014/main" id="{FC4B3FC6-BDE7-458E-A0D4-3B5CDEE2A2CF}"/>
+                <a16:creationId xmlns:a16="http://schemas.microsoft.com/office/drawing/2014/main" xmlns="" id="{FC4B3FC6-BDE7-458E-A0D4-3B5CDEE2A2CF}"/>
               </a:ext>
             </a:extLst>
           </p:cNvPr>
@@ -2959,7 +2909,7 @@
           <p:cNvPr id="5" name="Date Placeholder 4">
             <a:extLst>
               <a:ext uri="{FF2B5EF4-FFF2-40B4-BE49-F238E27FC236}">
-                <a16:creationId xmlns:a16="http://schemas.microsoft.com/office/drawing/2014/main" id="{D668A527-DB80-4A46-B718-1AA0F646E7FC}"/>
+                <a16:creationId xmlns:a16="http://schemas.microsoft.com/office/drawing/2014/main" xmlns="" id="{D668A527-DB80-4A46-B718-1AA0F646E7FC}"/>
               </a:ext>
             </a:extLst>
           </p:cNvPr>
@@ -2977,7 +2927,7 @@
           <a:p>
             <a:fld id="{3C4DF5B9-6226-4C75-9420-E8D17C4C152E}" type="datetimeFigureOut">
               <a:rPr lang="en-US" smtClean="0"/>
-              <a:t>6/28/2020</a:t>
+              <a:t>9/12/20</a:t>
             </a:fld>
             <a:endParaRPr lang="en-US"/>
           </a:p>
@@ -2988,7 +2938,7 @@
           <p:cNvPr id="6" name="Footer Placeholder 5">
             <a:extLst>
               <a:ext uri="{FF2B5EF4-FFF2-40B4-BE49-F238E27FC236}">
-                <a16:creationId xmlns:a16="http://schemas.microsoft.com/office/drawing/2014/main" id="{C3912AFE-009E-4B98-A758-6A9889031F4D}"/>
+                <a16:creationId xmlns:a16="http://schemas.microsoft.com/office/drawing/2014/main" xmlns="" id="{C3912AFE-009E-4B98-A758-6A9889031F4D}"/>
               </a:ext>
             </a:extLst>
           </p:cNvPr>
@@ -3013,7 +2963,7 @@
           <p:cNvPr id="7" name="Slide Number Placeholder 6">
             <a:extLst>
               <a:ext uri="{FF2B5EF4-FFF2-40B4-BE49-F238E27FC236}">
-                <a16:creationId xmlns:a16="http://schemas.microsoft.com/office/drawing/2014/main" id="{E725B9B9-1722-4441-BC9D-A99F4787E50A}"/>
+                <a16:creationId xmlns:a16="http://schemas.microsoft.com/office/drawing/2014/main" xmlns="" id="{E725B9B9-1722-4441-BC9D-A99F4787E50A}"/>
               </a:ext>
             </a:extLst>
           </p:cNvPr>
@@ -3072,7 +3022,7 @@
           <p:cNvPr id="2" name="Title 1">
             <a:extLst>
               <a:ext uri="{FF2B5EF4-FFF2-40B4-BE49-F238E27FC236}">
-                <a16:creationId xmlns:a16="http://schemas.microsoft.com/office/drawing/2014/main" id="{57ED2D60-7517-4620-8434-71A1B86C2B3A}"/>
+                <a16:creationId xmlns:a16="http://schemas.microsoft.com/office/drawing/2014/main" xmlns="" id="{57ED2D60-7517-4620-8434-71A1B86C2B3A}"/>
               </a:ext>
             </a:extLst>
           </p:cNvPr>
@@ -3109,7 +3059,7 @@
           <p:cNvPr id="3" name="Picture Placeholder 2">
             <a:extLst>
               <a:ext uri="{FF2B5EF4-FFF2-40B4-BE49-F238E27FC236}">
-                <a16:creationId xmlns:a16="http://schemas.microsoft.com/office/drawing/2014/main" id="{6F950A2E-0AC2-40B7-B734-6E908DE2D931}"/>
+                <a16:creationId xmlns:a16="http://schemas.microsoft.com/office/drawing/2014/main" xmlns="" id="{6F950A2E-0AC2-40B7-B734-6E908DE2D931}"/>
               </a:ext>
             </a:extLst>
           </p:cNvPr>
@@ -3176,7 +3126,7 @@
           <p:cNvPr id="4" name="Text Placeholder 3">
             <a:extLst>
               <a:ext uri="{FF2B5EF4-FFF2-40B4-BE49-F238E27FC236}">
-                <a16:creationId xmlns:a16="http://schemas.microsoft.com/office/drawing/2014/main" id="{9D7D254B-29A8-4412-A23A-AB503F4020FD}"/>
+                <a16:creationId xmlns:a16="http://schemas.microsoft.com/office/drawing/2014/main" xmlns="" id="{9D7D254B-29A8-4412-A23A-AB503F4020FD}"/>
               </a:ext>
             </a:extLst>
           </p:cNvPr>
@@ -3247,7 +3197,7 @@
           <p:cNvPr id="5" name="Date Placeholder 4">
             <a:extLst>
               <a:ext uri="{FF2B5EF4-FFF2-40B4-BE49-F238E27FC236}">
-                <a16:creationId xmlns:a16="http://schemas.microsoft.com/office/drawing/2014/main" id="{D910A96D-2768-4D80-9060-4598900E3F22}"/>
+                <a16:creationId xmlns:a16="http://schemas.microsoft.com/office/drawing/2014/main" xmlns="" id="{D910A96D-2768-4D80-9060-4598900E3F22}"/>
               </a:ext>
             </a:extLst>
           </p:cNvPr>
@@ -3265,7 +3215,7 @@
           <a:p>
             <a:fld id="{3C4DF5B9-6226-4C75-9420-E8D17C4C152E}" type="datetimeFigureOut">
               <a:rPr lang="en-US" smtClean="0"/>
-              <a:t>6/28/2020</a:t>
+              <a:t>9/12/20</a:t>
             </a:fld>
             <a:endParaRPr lang="en-US"/>
           </a:p>
@@ -3276,7 +3226,7 @@
           <p:cNvPr id="6" name="Footer Placeholder 5">
             <a:extLst>
               <a:ext uri="{FF2B5EF4-FFF2-40B4-BE49-F238E27FC236}">
-                <a16:creationId xmlns:a16="http://schemas.microsoft.com/office/drawing/2014/main" id="{40442613-6820-4E02-8767-4A56738C19E4}"/>
+                <a16:creationId xmlns:a16="http://schemas.microsoft.com/office/drawing/2014/main" xmlns="" id="{40442613-6820-4E02-8767-4A56738C19E4}"/>
               </a:ext>
             </a:extLst>
           </p:cNvPr>
@@ -3301,7 +3251,7 @@
           <p:cNvPr id="7" name="Slide Number Placeholder 6">
             <a:extLst>
               <a:ext uri="{FF2B5EF4-FFF2-40B4-BE49-F238E27FC236}">
-                <a16:creationId xmlns:a16="http://schemas.microsoft.com/office/drawing/2014/main" id="{CB18FC9A-02F5-433E-8828-4CEAA332B5FA}"/>
+                <a16:creationId xmlns:a16="http://schemas.microsoft.com/office/drawing/2014/main" xmlns="" id="{CB18FC9A-02F5-433E-8828-4CEAA332B5FA}"/>
               </a:ext>
             </a:extLst>
           </p:cNvPr>
@@ -3365,7 +3315,7 @@
           <p:cNvPr id="2" name="Title Placeholder 1">
             <a:extLst>
               <a:ext uri="{FF2B5EF4-FFF2-40B4-BE49-F238E27FC236}">
-                <a16:creationId xmlns:a16="http://schemas.microsoft.com/office/drawing/2014/main" id="{CD4FA33A-BDCE-4DA7-A39F-6ADCDBC997EC}"/>
+                <a16:creationId xmlns:a16="http://schemas.microsoft.com/office/drawing/2014/main" xmlns="" id="{CD4FA33A-BDCE-4DA7-A39F-6ADCDBC997EC}"/>
               </a:ext>
             </a:extLst>
           </p:cNvPr>
@@ -3403,7 +3353,7 @@
           <p:cNvPr id="3" name="Text Placeholder 2">
             <a:extLst>
               <a:ext uri="{FF2B5EF4-FFF2-40B4-BE49-F238E27FC236}">
-                <a16:creationId xmlns:a16="http://schemas.microsoft.com/office/drawing/2014/main" id="{86CC21BF-88DD-4AD5-BAA9-8D109B473101}"/>
+                <a16:creationId xmlns:a16="http://schemas.microsoft.com/office/drawing/2014/main" xmlns="" id="{86CC21BF-88DD-4AD5-BAA9-8D109B473101}"/>
               </a:ext>
             </a:extLst>
           </p:cNvPr>
@@ -3470,7 +3420,7 @@
           <p:cNvPr id="4" name="Date Placeholder 3">
             <a:extLst>
               <a:ext uri="{FF2B5EF4-FFF2-40B4-BE49-F238E27FC236}">
-                <a16:creationId xmlns:a16="http://schemas.microsoft.com/office/drawing/2014/main" id="{9AAC3D1B-D615-4DE2-AC94-EDCE63FF4600}"/>
+                <a16:creationId xmlns:a16="http://schemas.microsoft.com/office/drawing/2014/main" xmlns="" id="{9AAC3D1B-D615-4DE2-AC94-EDCE63FF4600}"/>
               </a:ext>
             </a:extLst>
           </p:cNvPr>
@@ -3506,7 +3456,7 @@
           <a:p>
             <a:fld id="{3C4DF5B9-6226-4C75-9420-E8D17C4C152E}" type="datetimeFigureOut">
               <a:rPr lang="en-US" smtClean="0"/>
-              <a:t>6/28/2020</a:t>
+              <a:t>9/12/20</a:t>
             </a:fld>
             <a:endParaRPr lang="en-US"/>
           </a:p>
@@ -3517,7 +3467,7 @@
           <p:cNvPr id="5" name="Footer Placeholder 4">
             <a:extLst>
               <a:ext uri="{FF2B5EF4-FFF2-40B4-BE49-F238E27FC236}">
-                <a16:creationId xmlns:a16="http://schemas.microsoft.com/office/drawing/2014/main" id="{A2FD67E6-1A57-4987-A830-E077F3332059}"/>
+                <a16:creationId xmlns:a16="http://schemas.microsoft.com/office/drawing/2014/main" xmlns="" id="{A2FD67E6-1A57-4987-A830-E077F3332059}"/>
               </a:ext>
             </a:extLst>
           </p:cNvPr>
@@ -3560,7 +3510,7 @@
           <p:cNvPr id="6" name="Slide Number Placeholder 5">
             <a:extLst>
               <a:ext uri="{FF2B5EF4-FFF2-40B4-BE49-F238E27FC236}">
-                <a16:creationId xmlns:a16="http://schemas.microsoft.com/office/drawing/2014/main" id="{3BB1710F-7A62-4E14-A523-79DB7AF3578C}"/>
+                <a16:creationId xmlns:a16="http://schemas.microsoft.com/office/drawing/2014/main" xmlns="" id="{3BB1710F-7A62-4E14-A523-79DB7AF3578C}"/>
               </a:ext>
             </a:extLst>
           </p:cNvPr>
@@ -3925,13 +3875,7 @@
       </p:grpSpPr>
       <p:sp>
         <p:nvSpPr>
-          <p:cNvPr id="2" name="Title 1">
-            <a:extLst>
-              <a:ext uri="{FF2B5EF4-FFF2-40B4-BE49-F238E27FC236}">
-                <a16:creationId xmlns:a16="http://schemas.microsoft.com/office/drawing/2014/main" id="{8029BC3B-32FB-4028-8930-97FA131583BA}"/>
-              </a:ext>
-            </a:extLst>
-          </p:cNvPr>
+          <p:cNvPr id="2" name="Title 1"/>
           <p:cNvSpPr>
             <a:spLocks noGrp="1"/>
           </p:cNvSpPr>
@@ -3939,53 +3883,172 @@
             <p:ph type="ctrTitle"/>
           </p:nvPr>
         </p:nvSpPr>
-        <p:spPr/>
-        <p:txBody>
-          <a:bodyPr/>
+        <p:spPr>
+          <a:xfrm>
+            <a:off x="754745" y="0"/>
+            <a:ext cx="10682515" cy="6858000"/>
+          </a:xfrm>
+        </p:spPr>
+        <p:txBody>
+          <a:bodyPr anchor="ctr">
+            <a:noAutofit/>
+          </a:bodyPr>
           <a:lstStyle/>
           <a:p>
-            <a:r>
-              <a:rPr lang="en-US" dirty="0"/>
-              <a:t>Clusters of Computers</a:t>
-            </a:r>
-          </a:p>
-        </p:txBody>
-      </p:sp>
-      <p:sp>
-        <p:nvSpPr>
-          <p:cNvPr id="3" name="Subtitle 2">
-            <a:extLst>
-              <a:ext uri="{FF2B5EF4-FFF2-40B4-BE49-F238E27FC236}">
-                <a16:creationId xmlns:a16="http://schemas.microsoft.com/office/drawing/2014/main" id="{A3FA181B-5749-491B-A1DE-1E74BE0BDBF6}"/>
-              </a:ext>
-            </a:extLst>
-          </p:cNvPr>
-          <p:cNvSpPr>
-            <a:spLocks noGrp="1"/>
-          </p:cNvSpPr>
-          <p:nvPr>
-            <p:ph type="subTitle" idx="1"/>
-          </p:nvPr>
-        </p:nvSpPr>
-        <p:spPr/>
-        <p:txBody>
-          <a:bodyPr/>
-          <a:lstStyle/>
-          <a:p>
-            <a:endParaRPr lang="en-US" dirty="0"/>
+            <a:pPr algn="l" fontAlgn="ctr">
+              <a:lnSpc>
+                <a:spcPct val="150000"/>
+              </a:lnSpc>
+            </a:pPr>
+            <a:r>
+              <a:rPr lang="en-US" sz="3600" b="1" dirty="0">
+                <a:latin typeface="Times New Roman" charset="0"/>
+                <a:ea typeface="Times New Roman" charset="0"/>
+                <a:cs typeface="Times New Roman" charset="0"/>
+              </a:rPr>
+              <a:t>Blue Waters Petascale</a:t>
+            </a:r>
+            <a:r>
+              <a:rPr lang="en-US" sz="3600" b="1" dirty="0">
+                <a:latin typeface="Times New Roman" charset="0"/>
+                <a:ea typeface="Times New Roman" charset="0"/>
+                <a:cs typeface="Times New Roman" charset="0"/>
+              </a:rPr>
+              <a:t> Semester Curriculum v1.0</a:t>
+            </a:r>
+            <a:r>
+              <a:rPr lang="en-US" sz="3600" dirty="0">
+                <a:latin typeface="Times New Roman" charset="0"/>
+                <a:ea typeface="Times New Roman" charset="0"/>
+                <a:cs typeface="Times New Roman" charset="0"/>
+              </a:rPr>
+              <a:t/>
+            </a:r>
+            <a:br>
+              <a:rPr lang="en-US" sz="3600" dirty="0">
+                <a:latin typeface="Times New Roman" charset="0"/>
+                <a:ea typeface="Times New Roman" charset="0"/>
+                <a:cs typeface="Times New Roman" charset="0"/>
+              </a:rPr>
+            </a:br>
+            <a:r>
+              <a:rPr lang="en-US" sz="3600" b="1" dirty="0">
+                <a:latin typeface="Times New Roman" charset="0"/>
+                <a:ea typeface="Times New Roman" charset="0"/>
+                <a:cs typeface="Times New Roman" charset="0"/>
+              </a:rPr>
+              <a:t>Unit 3: Using a Cluster</a:t>
+            </a:r>
+            <a:r>
+              <a:rPr lang="en-US" sz="3600" dirty="0">
+                <a:latin typeface="Times New Roman" charset="0"/>
+                <a:ea typeface="Times New Roman" charset="0"/>
+                <a:cs typeface="Times New Roman" charset="0"/>
+              </a:rPr>
+              <a:t/>
+            </a:r>
+            <a:br>
+              <a:rPr lang="en-US" sz="3600" dirty="0">
+                <a:latin typeface="Times New Roman" charset="0"/>
+                <a:ea typeface="Times New Roman" charset="0"/>
+                <a:cs typeface="Times New Roman" charset="0"/>
+              </a:rPr>
+            </a:br>
+            <a:r>
+              <a:rPr lang="en-US" sz="3600" b="1" dirty="0">
+                <a:latin typeface="Times New Roman" charset="0"/>
+                <a:ea typeface="Times New Roman" charset="0"/>
+                <a:cs typeface="Times New Roman" charset="0"/>
+              </a:rPr>
+              <a:t>Lesson 7: Scaling on a Cluster 2</a:t>
+            </a:r>
+            <a:br>
+              <a:rPr lang="en-US" sz="3600" b="1" dirty="0">
+                <a:latin typeface="Times New Roman" charset="0"/>
+                <a:ea typeface="Times New Roman" charset="0"/>
+                <a:cs typeface="Times New Roman" charset="0"/>
+              </a:rPr>
+            </a:br>
+            <a:r>
+              <a:rPr lang="en-US" sz="3600" i="1" dirty="0">
+                <a:latin typeface="Times New Roman" charset="0"/>
+                <a:ea typeface="Times New Roman" charset="0"/>
+                <a:cs typeface="Times New Roman" charset="0"/>
+              </a:rPr>
+              <a:t>Developed by </a:t>
+            </a:r>
+            <a:r>
+              <a:rPr lang="en-US" sz="3600" i="1" dirty="0" err="1">
+                <a:latin typeface="Times New Roman" charset="0"/>
+                <a:ea typeface="Times New Roman" charset="0"/>
+                <a:cs typeface="Times New Roman" charset="0"/>
+              </a:rPr>
+              <a:t>Hyacinthe</a:t>
+            </a:r>
+            <a:r>
+              <a:rPr lang="en-US" sz="3600" i="1" dirty="0">
+                <a:latin typeface="Times New Roman" charset="0"/>
+                <a:ea typeface="Times New Roman" charset="0"/>
+                <a:cs typeface="Times New Roman" charset="0"/>
+              </a:rPr>
+              <a:t> </a:t>
+            </a:r>
+            <a:r>
+              <a:rPr lang="en-US" sz="3600" i="1" dirty="0" err="1">
+                <a:latin typeface="Times New Roman" charset="0"/>
+                <a:ea typeface="Times New Roman" charset="0"/>
+                <a:cs typeface="Times New Roman" charset="0"/>
+              </a:rPr>
+              <a:t>Aboudja</a:t>
+            </a:r>
+            <a:r>
+              <a:rPr lang="en-US" sz="3600" i="1" dirty="0">
+                <a:latin typeface="Times New Roman" charset="0"/>
+                <a:ea typeface="Times New Roman" charset="0"/>
+                <a:cs typeface="Times New Roman" charset="0"/>
+              </a:rPr>
+              <a:t/>
+            </a:r>
+            <a:br>
+              <a:rPr lang="en-US" sz="3600" i="1" dirty="0">
+                <a:latin typeface="Times New Roman" charset="0"/>
+                <a:ea typeface="Times New Roman" charset="0"/>
+                <a:cs typeface="Times New Roman" charset="0"/>
+              </a:rPr>
+            </a:br>
+            <a:r>
+              <a:rPr lang="en-US" sz="3600" i="1" dirty="0">
+                <a:latin typeface="Times New Roman" charset="0"/>
+                <a:ea typeface="Times New Roman" charset="0"/>
+                <a:cs typeface="Times New Roman" charset="0"/>
+              </a:rPr>
+              <a:t>for the Shodor Education Foundation, Inc.</a:t>
+            </a:r>
+            <a:endParaRPr lang="en-US" sz="3600" i="1" dirty="0">
+              <a:latin typeface="Times New Roman" charset="0"/>
+              <a:ea typeface="Times New Roman" charset="0"/>
+              <a:cs typeface="Times New Roman" charset="0"/>
+            </a:endParaRPr>
           </a:p>
         </p:txBody>
       </p:sp>
     </p:spTree>
     <p:extLst>
       <p:ext uri="{BB962C8B-B14F-4D97-AF65-F5344CB8AC3E}">
-        <p14:creationId xmlns:p14="http://schemas.microsoft.com/office/powerpoint/2010/main" val="2547814546"/>
+        <p14:creationId xmlns:p14="http://schemas.microsoft.com/office/powerpoint/2010/main" val="924835182"/>
       </p:ext>
     </p:extLst>
   </p:cSld>
   <p:clrMapOvr>
     <a:masterClrMapping/>
   </p:clrMapOvr>
+  <p:timing>
+    <p:tnLst>
+      <p:par>
+        <p:cTn id="1" dur="indefinite" restart="never" nodeType="tmRoot"/>
+      </p:par>
+    </p:tnLst>
+  </p:timing>
 </p:sld>
 </file>
 
@@ -4011,7 +4074,7 @@
           <p:cNvPr id="2" name="Title 1">
             <a:extLst>
               <a:ext uri="{FF2B5EF4-FFF2-40B4-BE49-F238E27FC236}">
-                <a16:creationId xmlns:a16="http://schemas.microsoft.com/office/drawing/2014/main" id="{0458812E-D0EF-4592-8D50-8A836B143E42}"/>
+                <a16:creationId xmlns:a16="http://schemas.microsoft.com/office/drawing/2014/main" xmlns="" id="{1B4764F1-FECB-4B75-9A14-126E834E466D}"/>
               </a:ext>
             </a:extLst>
           </p:cNvPr>
@@ -4029,76 +4092,8 @@
           <a:p>
             <a:pPr algn="ctr"/>
             <a:r>
-              <a:rPr lang="en-US" dirty="0">
-                <a:solidFill>
-                  <a:srgbClr val="FF0000"/>
-                </a:solidFill>
-              </a:rPr>
-              <a:t>SLURM</a:t>
-            </a:r>
-            <a:r>
               <a:rPr lang="en-US" dirty="0"/>
-              <a:t> (</a:t>
-            </a:r>
-            <a:r>
-              <a:rPr lang="en-US" dirty="0">
-                <a:solidFill>
-                  <a:srgbClr val="FF0000"/>
-                </a:solidFill>
-              </a:rPr>
-              <a:t>S</a:t>
-            </a:r>
-            <a:r>
-              <a:rPr lang="en-US" dirty="0"/>
-              <a:t>imple </a:t>
-            </a:r>
-            <a:r>
-              <a:rPr lang="en-US" dirty="0">
-                <a:solidFill>
-                  <a:srgbClr val="FF0000"/>
-                </a:solidFill>
-              </a:rPr>
-              <a:t>L</a:t>
-            </a:r>
-            <a:r>
-              <a:rPr lang="en-US" dirty="0"/>
-              <a:t>inux </a:t>
-            </a:r>
-            <a:r>
-              <a:rPr lang="en-US" dirty="0">
-                <a:solidFill>
-                  <a:srgbClr val="FF0000"/>
-                </a:solidFill>
-              </a:rPr>
-              <a:t>U</a:t>
-            </a:r>
-            <a:r>
-              <a:rPr lang="en-US" dirty="0"/>
-              <a:t>tility </a:t>
-            </a:r>
-            <a:r>
-              <a:rPr lang="en-US" dirty="0">
-                <a:solidFill>
-                  <a:srgbClr val="FF0000"/>
-                </a:solidFill>
-              </a:rPr>
-              <a:t>R</a:t>
-            </a:r>
-            <a:r>
-              <a:rPr lang="en-US" dirty="0"/>
-              <a:t>esources </a:t>
-            </a:r>
-            <a:r>
-              <a:rPr lang="en-US" dirty="0">
-                <a:solidFill>
-                  <a:srgbClr val="FF0000"/>
-                </a:solidFill>
-              </a:rPr>
-              <a:t>M</a:t>
-            </a:r>
-            <a:r>
-              <a:rPr lang="en-US" dirty="0"/>
-              <a:t>anager)</a:t>
+              <a:t>Introduction</a:t>
             </a:r>
           </a:p>
         </p:txBody>
@@ -4108,7 +4103,7 @@
           <p:cNvPr id="3" name="Content Placeholder 2">
             <a:extLst>
               <a:ext uri="{FF2B5EF4-FFF2-40B4-BE49-F238E27FC236}">
-                <a16:creationId xmlns:a16="http://schemas.microsoft.com/office/drawing/2014/main" id="{6DC4BE4C-9368-4E1B-AC76-88337059AD3D}"/>
+                <a16:creationId xmlns:a16="http://schemas.microsoft.com/office/drawing/2014/main" xmlns="" id="{928EF53E-3BD0-42CF-8235-385BA7C36220}"/>
               </a:ext>
             </a:extLst>
           </p:cNvPr>
@@ -4126,7 +4121,40 @@
           <a:p>
             <a:r>
               <a:rPr lang="en-US" dirty="0"/>
-              <a:t>Open Source, cluster resource management and job scheduler system for small and large Linux computers clusters connected as HPC( High Performance Computers)</a:t>
+              <a:t>- Once you know what  is a cluster?</a:t>
+            </a:r>
+          </a:p>
+          <a:p>
+            <a:r>
+              <a:rPr lang="en-US" dirty="0"/>
+              <a:t>What is its architecture?</a:t>
+            </a:r>
+          </a:p>
+          <a:p>
+            <a:r>
+              <a:rPr lang="en-US" dirty="0"/>
+              <a:t>What is it used for ?</a:t>
+            </a:r>
+          </a:p>
+          <a:p>
+            <a:r>
+              <a:rPr lang="en-US" dirty="0"/>
+              <a:t>How to use it</a:t>
+            </a:r>
+          </a:p>
+          <a:p>
+            <a:pPr lvl="1"/>
+            <a:r>
+              <a:rPr lang="en-US" dirty="0" err="1"/>
+              <a:t>Slurm</a:t>
+            </a:r>
+            <a:endParaRPr lang="en-US" dirty="0"/>
+          </a:p>
+          <a:p>
+            <a:pPr lvl="1"/>
+            <a:r>
+              <a:rPr lang="en-US" dirty="0"/>
+              <a:t>PBS (Torque)</a:t>
             </a:r>
           </a:p>
           <a:p>
@@ -4137,7 +4165,7 @@
     </p:spTree>
     <p:extLst>
       <p:ext uri="{BB962C8B-B14F-4D97-AF65-F5344CB8AC3E}">
-        <p14:creationId xmlns:p14="http://schemas.microsoft.com/office/powerpoint/2010/main" val="2048499074"/>
+        <p14:creationId xmlns:p14="http://schemas.microsoft.com/office/powerpoint/2010/main" val="2965880916"/>
       </p:ext>
     </p:extLst>
   </p:cSld>
@@ -4169,7 +4197,7 @@
           <p:cNvPr id="2" name="Title 1">
             <a:extLst>
               <a:ext uri="{FF2B5EF4-FFF2-40B4-BE49-F238E27FC236}">
-                <a16:creationId xmlns:a16="http://schemas.microsoft.com/office/drawing/2014/main" id="{B737B787-9675-49F4-BB53-DFA1AB9B71D6}"/>
+                <a16:creationId xmlns:a16="http://schemas.microsoft.com/office/drawing/2014/main" xmlns="" id="{0458812E-D0EF-4592-8D50-8A836B143E42}"/>
               </a:ext>
             </a:extLst>
           </p:cNvPr>
@@ -4187,8 +4215,76 @@
           <a:p>
             <a:pPr algn="ctr"/>
             <a:r>
+              <a:rPr lang="en-US" dirty="0">
+                <a:solidFill>
+                  <a:srgbClr val="FF0000"/>
+                </a:solidFill>
+              </a:rPr>
+              <a:t>SLURM</a:t>
+            </a:r>
+            <a:r>
               <a:rPr lang="en-US" dirty="0"/>
-              <a:t>Batch Scheduler and Resource Manager</a:t>
+              <a:t> (</a:t>
+            </a:r>
+            <a:r>
+              <a:rPr lang="en-US" dirty="0">
+                <a:solidFill>
+                  <a:srgbClr val="FF0000"/>
+                </a:solidFill>
+              </a:rPr>
+              <a:t>S</a:t>
+            </a:r>
+            <a:r>
+              <a:rPr lang="en-US" dirty="0"/>
+              <a:t>imple </a:t>
+            </a:r>
+            <a:r>
+              <a:rPr lang="en-US" dirty="0">
+                <a:solidFill>
+                  <a:srgbClr val="FF0000"/>
+                </a:solidFill>
+              </a:rPr>
+              <a:t>L</a:t>
+            </a:r>
+            <a:r>
+              <a:rPr lang="en-US" dirty="0"/>
+              <a:t>inux </a:t>
+            </a:r>
+            <a:r>
+              <a:rPr lang="en-US" dirty="0">
+                <a:solidFill>
+                  <a:srgbClr val="FF0000"/>
+                </a:solidFill>
+              </a:rPr>
+              <a:t>U</a:t>
+            </a:r>
+            <a:r>
+              <a:rPr lang="en-US" dirty="0"/>
+              <a:t>tility </a:t>
+            </a:r>
+            <a:r>
+              <a:rPr lang="en-US" dirty="0">
+                <a:solidFill>
+                  <a:srgbClr val="FF0000"/>
+                </a:solidFill>
+              </a:rPr>
+              <a:t>R</a:t>
+            </a:r>
+            <a:r>
+              <a:rPr lang="en-US" dirty="0"/>
+              <a:t>esources </a:t>
+            </a:r>
+            <a:r>
+              <a:rPr lang="en-US" dirty="0">
+                <a:solidFill>
+                  <a:srgbClr val="FF0000"/>
+                </a:solidFill>
+              </a:rPr>
+              <a:t>M</a:t>
+            </a:r>
+            <a:r>
+              <a:rPr lang="en-US" dirty="0"/>
+              <a:t>anager)</a:t>
             </a:r>
           </a:p>
         </p:txBody>
@@ -4198,7 +4294,7 @@
           <p:cNvPr id="3" name="Content Placeholder 2">
             <a:extLst>
               <a:ext uri="{FF2B5EF4-FFF2-40B4-BE49-F238E27FC236}">
-                <a16:creationId xmlns:a16="http://schemas.microsoft.com/office/drawing/2014/main" id="{8FEA94E1-C2DC-488F-A46D-BE2DBBE9C7F6}"/>
+                <a16:creationId xmlns:a16="http://schemas.microsoft.com/office/drawing/2014/main" xmlns="" id="{6DC4BE4C-9368-4E1B-AC76-88337059AD3D}"/>
               </a:ext>
             </a:extLst>
           </p:cNvPr>
@@ -4216,21 +4312,18 @@
           <a:p>
             <a:r>
               <a:rPr lang="en-US" dirty="0"/>
-              <a:t>In SLURM system, both the resource manager and the job batch scheduler (work load manager) work hands in hands to run and complete the job request of the user.</a:t>
-            </a:r>
-          </a:p>
-          <a:p>
-            <a:r>
-              <a:rPr lang="en-US" dirty="0"/>
-              <a:t>Job Batch Scheduler: identifies, allocate in optimized time the requested resources and launch to run and complete the job.</a:t>
-            </a:r>
+              <a:t>Open Source, cluster resource management and job scheduler system for small and large Linux computers clusters connected as HPC( High Performance Computers)</a:t>
+            </a:r>
+          </a:p>
+          <a:p>
+            <a:endParaRPr lang="en-US" dirty="0"/>
           </a:p>
         </p:txBody>
       </p:sp>
     </p:spTree>
     <p:extLst>
       <p:ext uri="{BB962C8B-B14F-4D97-AF65-F5344CB8AC3E}">
-        <p14:creationId xmlns:p14="http://schemas.microsoft.com/office/powerpoint/2010/main" val="1582385889"/>
+        <p14:creationId xmlns:p14="http://schemas.microsoft.com/office/powerpoint/2010/main" val="2048499074"/>
       </p:ext>
     </p:extLst>
   </p:cSld>
@@ -4262,7 +4355,100 @@
           <p:cNvPr id="2" name="Title 1">
             <a:extLst>
               <a:ext uri="{FF2B5EF4-FFF2-40B4-BE49-F238E27FC236}">
-                <a16:creationId xmlns:a16="http://schemas.microsoft.com/office/drawing/2014/main" id="{7C4EA4F9-2CFF-4842-82DB-21B4127B8D3C}"/>
+                <a16:creationId xmlns:a16="http://schemas.microsoft.com/office/drawing/2014/main" xmlns="" id="{B737B787-9675-49F4-BB53-DFA1AB9B71D6}"/>
+              </a:ext>
+            </a:extLst>
+          </p:cNvPr>
+          <p:cNvSpPr>
+            <a:spLocks noGrp="1"/>
+          </p:cNvSpPr>
+          <p:nvPr>
+            <p:ph type="title"/>
+          </p:nvPr>
+        </p:nvSpPr>
+        <p:spPr/>
+        <p:txBody>
+          <a:bodyPr/>
+          <a:lstStyle/>
+          <a:p>
+            <a:pPr algn="ctr"/>
+            <a:r>
+              <a:rPr lang="en-US" dirty="0"/>
+              <a:t>Batch Scheduler and Resource Manager</a:t>
+            </a:r>
+          </a:p>
+        </p:txBody>
+      </p:sp>
+      <p:sp>
+        <p:nvSpPr>
+          <p:cNvPr id="3" name="Content Placeholder 2">
+            <a:extLst>
+              <a:ext uri="{FF2B5EF4-FFF2-40B4-BE49-F238E27FC236}">
+                <a16:creationId xmlns:a16="http://schemas.microsoft.com/office/drawing/2014/main" xmlns="" id="{8FEA94E1-C2DC-488F-A46D-BE2DBBE9C7F6}"/>
+              </a:ext>
+            </a:extLst>
+          </p:cNvPr>
+          <p:cNvSpPr>
+            <a:spLocks noGrp="1"/>
+          </p:cNvSpPr>
+          <p:nvPr>
+            <p:ph idx="1"/>
+          </p:nvPr>
+        </p:nvSpPr>
+        <p:spPr/>
+        <p:txBody>
+          <a:bodyPr/>
+          <a:lstStyle/>
+          <a:p>
+            <a:r>
+              <a:rPr lang="en-US" dirty="0"/>
+              <a:t>In SLURM system, both the resource manager and the job batch scheduler (work load manager) work hands in hands to run and complete the job request of the user.</a:t>
+            </a:r>
+          </a:p>
+          <a:p>
+            <a:r>
+              <a:rPr lang="en-US" dirty="0"/>
+              <a:t>Job Batch Scheduler: identifies, allocate in optimized time the requested resources and launch to run and complete the job.</a:t>
+            </a:r>
+          </a:p>
+        </p:txBody>
+      </p:sp>
+    </p:spTree>
+    <p:extLst>
+      <p:ext uri="{BB962C8B-B14F-4D97-AF65-F5344CB8AC3E}">
+        <p14:creationId xmlns:p14="http://schemas.microsoft.com/office/powerpoint/2010/main" val="1582385889"/>
+      </p:ext>
+    </p:extLst>
+  </p:cSld>
+  <p:clrMapOvr>
+    <a:masterClrMapping/>
+  </p:clrMapOvr>
+</p:sld>
+</file>
+
+<file path=ppt/slides/slide13.xml><?xml version="1.0" encoding="utf-8"?>
+<p:sld xmlns:a="http://schemas.openxmlformats.org/drawingml/2006/main" xmlns:r="http://schemas.openxmlformats.org/officeDocument/2006/relationships" xmlns:p="http://schemas.openxmlformats.org/presentationml/2006/main">
+  <p:cSld>
+    <p:spTree>
+      <p:nvGrpSpPr>
+        <p:cNvPr id="1" name=""/>
+        <p:cNvGrpSpPr/>
+        <p:nvPr/>
+      </p:nvGrpSpPr>
+      <p:grpSpPr>
+        <a:xfrm>
+          <a:off x="0" y="0"/>
+          <a:ext cx="0" cy="0"/>
+          <a:chOff x="0" y="0"/>
+          <a:chExt cx="0" cy="0"/>
+        </a:xfrm>
+      </p:grpSpPr>
+      <p:sp>
+        <p:nvSpPr>
+          <p:cNvPr id="2" name="Title 1">
+            <a:extLst>
+              <a:ext uri="{FF2B5EF4-FFF2-40B4-BE49-F238E27FC236}">
+                <a16:creationId xmlns:a16="http://schemas.microsoft.com/office/drawing/2014/main" xmlns="" id="{7C4EA4F9-2CFF-4842-82DB-21B4127B8D3C}"/>
               </a:ext>
             </a:extLst>
           </p:cNvPr>
@@ -4298,7 +4484,7 @@
           <p:cNvPr id="5" name="Content Placeholder 4" descr="A screenshot of a computer&#10;&#10;Description automatically generated">
             <a:extLst>
               <a:ext uri="{FF2B5EF4-FFF2-40B4-BE49-F238E27FC236}">
-                <a16:creationId xmlns:a16="http://schemas.microsoft.com/office/drawing/2014/main" id="{1588775F-A18E-4561-9815-8073F4D64F10}"/>
+                <a16:creationId xmlns:a16="http://schemas.microsoft.com/office/drawing/2014/main" xmlns="" id="{1588775F-A18E-4561-9815-8073F4D64F10}"/>
               </a:ext>
             </a:extLst>
           </p:cNvPr>
@@ -4346,96 +4532,6 @@
 </p:sld>
 </file>
 
-<file path=ppt/slides/slide13.xml><?xml version="1.0" encoding="utf-8"?>
-<p:sld xmlns:a="http://schemas.openxmlformats.org/drawingml/2006/main" xmlns:r="http://schemas.openxmlformats.org/officeDocument/2006/relationships" xmlns:p="http://schemas.openxmlformats.org/presentationml/2006/main">
-  <p:cSld>
-    <p:spTree>
-      <p:nvGrpSpPr>
-        <p:cNvPr id="1" name=""/>
-        <p:cNvGrpSpPr/>
-        <p:nvPr/>
-      </p:nvGrpSpPr>
-      <p:grpSpPr>
-        <a:xfrm>
-          <a:off x="0" y="0"/>
-          <a:ext cx="0" cy="0"/>
-          <a:chOff x="0" y="0"/>
-          <a:chExt cx="0" cy="0"/>
-        </a:xfrm>
-      </p:grpSpPr>
-      <p:sp>
-        <p:nvSpPr>
-          <p:cNvPr id="2" name="Title 1">
-            <a:extLst>
-              <a:ext uri="{FF2B5EF4-FFF2-40B4-BE49-F238E27FC236}">
-                <a16:creationId xmlns:a16="http://schemas.microsoft.com/office/drawing/2014/main" id="{B92E8A27-4C54-4A5D-9E0E-D5770B169C03}"/>
-              </a:ext>
-            </a:extLst>
-          </p:cNvPr>
-          <p:cNvSpPr>
-            <a:spLocks noGrp="1"/>
-          </p:cNvSpPr>
-          <p:nvPr>
-            <p:ph type="title"/>
-          </p:nvPr>
-        </p:nvSpPr>
-        <p:spPr/>
-        <p:txBody>
-          <a:bodyPr/>
-          <a:lstStyle/>
-          <a:p>
-            <a:endParaRPr lang="en-US"/>
-          </a:p>
-        </p:txBody>
-      </p:sp>
-      <p:pic>
-        <p:nvPicPr>
-          <p:cNvPr id="5" name="Content Placeholder 4" descr="A screenshot of a computer&#10;&#10;Description automatically generated">
-            <a:extLst>
-              <a:ext uri="{FF2B5EF4-FFF2-40B4-BE49-F238E27FC236}">
-                <a16:creationId xmlns:a16="http://schemas.microsoft.com/office/drawing/2014/main" id="{986BB5D6-2EE5-4698-B45F-CD57D94217B5}"/>
-              </a:ext>
-            </a:extLst>
-          </p:cNvPr>
-          <p:cNvPicPr>
-            <a:picLocks noGrp="1" noChangeAspect="1"/>
-          </p:cNvPicPr>
-          <p:nvPr>
-            <p:ph idx="1"/>
-          </p:nvPr>
-        </p:nvPicPr>
-        <p:blipFill>
-          <a:blip r:embed="rId2">
-            <a:extLst>
-              <a:ext uri="{28A0092B-C50C-407E-A947-70E740481C1C}">
-                <a14:useLocalDpi xmlns:a14="http://schemas.microsoft.com/office/drawing/2010/main" val="0"/>
-              </a:ext>
-            </a:extLst>
-          </a:blip>
-          <a:stretch>
-            <a:fillRect/>
-          </a:stretch>
-        </p:blipFill>
-        <p:spPr>
-          <a:xfrm>
-            <a:off x="2228144" y="1825625"/>
-            <a:ext cx="7735712" cy="4351338"/>
-          </a:xfrm>
-        </p:spPr>
-      </p:pic>
-    </p:spTree>
-    <p:extLst>
-      <p:ext uri="{BB962C8B-B14F-4D97-AF65-F5344CB8AC3E}">
-        <p14:creationId xmlns:p14="http://schemas.microsoft.com/office/powerpoint/2010/main" val="3176449120"/>
-      </p:ext>
-    </p:extLst>
-  </p:cSld>
-  <p:clrMapOvr>
-    <a:masterClrMapping/>
-  </p:clrMapOvr>
-</p:sld>
-</file>
-
 <file path=ppt/slides/slide14.xml><?xml version="1.0" encoding="utf-8"?>
 <p:sld xmlns:a="http://schemas.openxmlformats.org/drawingml/2006/main" xmlns:r="http://schemas.openxmlformats.org/officeDocument/2006/relationships" xmlns:p="http://schemas.openxmlformats.org/presentationml/2006/main">
   <p:cSld>
@@ -4458,7 +4554,7 @@
           <p:cNvPr id="2" name="Title 1">
             <a:extLst>
               <a:ext uri="{FF2B5EF4-FFF2-40B4-BE49-F238E27FC236}">
-                <a16:creationId xmlns:a16="http://schemas.microsoft.com/office/drawing/2014/main" id="{21B7821F-0927-46A2-AB53-699DE44B1C85}"/>
+                <a16:creationId xmlns:a16="http://schemas.microsoft.com/office/drawing/2014/main" xmlns="" id="{B92E8A27-4C54-4A5D-9E0E-D5770B169C03}"/>
               </a:ext>
             </a:extLst>
           </p:cNvPr>
@@ -4478,35 +4574,45 @@
           </a:p>
         </p:txBody>
       </p:sp>
-      <p:sp>
-        <p:nvSpPr>
-          <p:cNvPr id="3" name="Content Placeholder 2">
-            <a:extLst>
-              <a:ext uri="{FF2B5EF4-FFF2-40B4-BE49-F238E27FC236}">
-                <a16:creationId xmlns:a16="http://schemas.microsoft.com/office/drawing/2014/main" id="{08D349F9-9F08-4186-B9E1-38BF346F2D86}"/>
-              </a:ext>
-            </a:extLst>
-          </p:cNvPr>
-          <p:cNvSpPr>
-            <a:spLocks noGrp="1"/>
-          </p:cNvSpPr>
+      <p:pic>
+        <p:nvPicPr>
+          <p:cNvPr id="5" name="Content Placeholder 4" descr="A screenshot of a computer&#10;&#10;Description automatically generated">
+            <a:extLst>
+              <a:ext uri="{FF2B5EF4-FFF2-40B4-BE49-F238E27FC236}">
+                <a16:creationId xmlns:a16="http://schemas.microsoft.com/office/drawing/2014/main" xmlns="" id="{986BB5D6-2EE5-4698-B45F-CD57D94217B5}"/>
+              </a:ext>
+            </a:extLst>
+          </p:cNvPr>
+          <p:cNvPicPr>
+            <a:picLocks noGrp="1" noChangeAspect="1"/>
+          </p:cNvPicPr>
           <p:nvPr>
             <p:ph idx="1"/>
           </p:nvPr>
-        </p:nvSpPr>
-        <p:spPr/>
-        <p:txBody>
-          <a:bodyPr/>
-          <a:lstStyle/>
-          <a:p>
-            <a:endParaRPr lang="en-US"/>
-          </a:p>
-        </p:txBody>
-      </p:sp>
+        </p:nvPicPr>
+        <p:blipFill>
+          <a:blip r:embed="rId2">
+            <a:extLst>
+              <a:ext uri="{28A0092B-C50C-407E-A947-70E740481C1C}">
+                <a14:useLocalDpi xmlns:a14="http://schemas.microsoft.com/office/drawing/2010/main" val="0"/>
+              </a:ext>
+            </a:extLst>
+          </a:blip>
+          <a:stretch>
+            <a:fillRect/>
+          </a:stretch>
+        </p:blipFill>
+        <p:spPr>
+          <a:xfrm>
+            <a:off x="2228144" y="1825625"/>
+            <a:ext cx="7735712" cy="4351338"/>
+          </a:xfrm>
+        </p:spPr>
+      </p:pic>
     </p:spTree>
     <p:extLst>
       <p:ext uri="{BB962C8B-B14F-4D97-AF65-F5344CB8AC3E}">
-        <p14:creationId xmlns:p14="http://schemas.microsoft.com/office/powerpoint/2010/main" val="3704064620"/>
+        <p14:creationId xmlns:p14="http://schemas.microsoft.com/office/powerpoint/2010/main" val="3176449120"/>
       </p:ext>
     </p:extLst>
   </p:cSld>
@@ -4538,7 +4644,87 @@
           <p:cNvPr id="2" name="Title 1">
             <a:extLst>
               <a:ext uri="{FF2B5EF4-FFF2-40B4-BE49-F238E27FC236}">
-                <a16:creationId xmlns:a16="http://schemas.microsoft.com/office/drawing/2014/main" id="{4D57E1C5-520E-4FA3-A586-E040AA660E72}"/>
+                <a16:creationId xmlns:a16="http://schemas.microsoft.com/office/drawing/2014/main" xmlns="" id="{21B7821F-0927-46A2-AB53-699DE44B1C85}"/>
+              </a:ext>
+            </a:extLst>
+          </p:cNvPr>
+          <p:cNvSpPr>
+            <a:spLocks noGrp="1"/>
+          </p:cNvSpPr>
+          <p:nvPr>
+            <p:ph type="title"/>
+          </p:nvPr>
+        </p:nvSpPr>
+        <p:spPr/>
+        <p:txBody>
+          <a:bodyPr/>
+          <a:lstStyle/>
+          <a:p>
+            <a:endParaRPr lang="en-US"/>
+          </a:p>
+        </p:txBody>
+      </p:sp>
+      <p:sp>
+        <p:nvSpPr>
+          <p:cNvPr id="3" name="Content Placeholder 2">
+            <a:extLst>
+              <a:ext uri="{FF2B5EF4-FFF2-40B4-BE49-F238E27FC236}">
+                <a16:creationId xmlns:a16="http://schemas.microsoft.com/office/drawing/2014/main" xmlns="" id="{08D349F9-9F08-4186-B9E1-38BF346F2D86}"/>
+              </a:ext>
+            </a:extLst>
+          </p:cNvPr>
+          <p:cNvSpPr>
+            <a:spLocks noGrp="1"/>
+          </p:cNvSpPr>
+          <p:nvPr>
+            <p:ph idx="1"/>
+          </p:nvPr>
+        </p:nvSpPr>
+        <p:spPr/>
+        <p:txBody>
+          <a:bodyPr/>
+          <a:lstStyle/>
+          <a:p>
+            <a:endParaRPr lang="en-US"/>
+          </a:p>
+        </p:txBody>
+      </p:sp>
+    </p:spTree>
+    <p:extLst>
+      <p:ext uri="{BB962C8B-B14F-4D97-AF65-F5344CB8AC3E}">
+        <p14:creationId xmlns:p14="http://schemas.microsoft.com/office/powerpoint/2010/main" val="3704064620"/>
+      </p:ext>
+    </p:extLst>
+  </p:cSld>
+  <p:clrMapOvr>
+    <a:masterClrMapping/>
+  </p:clrMapOvr>
+</p:sld>
+</file>
+
+<file path=ppt/slides/slide16.xml><?xml version="1.0" encoding="utf-8"?>
+<p:sld xmlns:a="http://schemas.openxmlformats.org/drawingml/2006/main" xmlns:r="http://schemas.openxmlformats.org/officeDocument/2006/relationships" xmlns:p="http://schemas.openxmlformats.org/presentationml/2006/main">
+  <p:cSld>
+    <p:spTree>
+      <p:nvGrpSpPr>
+        <p:cNvPr id="1" name=""/>
+        <p:cNvGrpSpPr/>
+        <p:nvPr/>
+      </p:nvGrpSpPr>
+      <p:grpSpPr>
+        <a:xfrm>
+          <a:off x="0" y="0"/>
+          <a:ext cx="0" cy="0"/>
+          <a:chOff x="0" y="0"/>
+          <a:chExt cx="0" cy="0"/>
+        </a:xfrm>
+      </p:grpSpPr>
+      <p:sp>
+        <p:nvSpPr>
+          <p:cNvPr id="2" name="Title 1">
+            <a:extLst>
+              <a:ext uri="{FF2B5EF4-FFF2-40B4-BE49-F238E27FC236}">
+                <a16:creationId xmlns:a16="http://schemas.microsoft.com/office/drawing/2014/main" xmlns="" id="{4D57E1C5-520E-4FA3-A586-E040AA660E72}"/>
               </a:ext>
             </a:extLst>
           </p:cNvPr>
@@ -4572,7 +4758,7 @@
           <p:cNvPr id="3" name="Content Placeholder 2">
             <a:extLst>
               <a:ext uri="{FF2B5EF4-FFF2-40B4-BE49-F238E27FC236}">
-                <a16:creationId xmlns:a16="http://schemas.microsoft.com/office/drawing/2014/main" id="{7123B0BB-6D89-4802-861E-CA9648FF6379}"/>
+                <a16:creationId xmlns:a16="http://schemas.microsoft.com/office/drawing/2014/main" xmlns="" id="{7123B0BB-6D89-4802-861E-CA9648FF6379}"/>
               </a:ext>
             </a:extLst>
           </p:cNvPr>
@@ -4643,207 +4829,240 @@
       </p:grpSpPr>
       <p:sp>
         <p:nvSpPr>
-          <p:cNvPr id="2" name="Title 1">
-            <a:extLst>
-              <a:ext uri="{FF2B5EF4-FFF2-40B4-BE49-F238E27FC236}">
-                <a16:creationId xmlns:a16="http://schemas.microsoft.com/office/drawing/2014/main" id="{56DE7892-6AAD-4E4B-B485-21B5ECB7EC8C}"/>
-              </a:ext>
-            </a:extLst>
-          </p:cNvPr>
-          <p:cNvSpPr>
-            <a:spLocks noGrp="1"/>
-          </p:cNvSpPr>
-          <p:nvPr>
-            <p:ph type="title"/>
+          <p:cNvPr id="2" name="Title 1"/>
+          <p:cNvSpPr>
+            <a:spLocks noGrp="1"/>
+          </p:cNvSpPr>
+          <p:nvPr>
+            <p:ph type="ctrTitle"/>
           </p:nvPr>
         </p:nvSpPr>
         <p:spPr>
           <a:xfrm>
-            <a:off x="838200" y="365126"/>
-            <a:ext cx="10515600" cy="710640"/>
+            <a:off x="754745" y="0"/>
+            <a:ext cx="10682515" cy="6858000"/>
           </a:xfrm>
         </p:spPr>
         <p:txBody>
-          <a:bodyPr/>
-          <a:lstStyle/>
-          <a:p>
-            <a:pPr algn="ctr"/>
-            <a:r>
-              <a:rPr lang="en-US" dirty="0"/>
-              <a:t>Outline</a:t>
-            </a:r>
-          </a:p>
-        </p:txBody>
-      </p:sp>
-      <p:sp>
-        <p:nvSpPr>
-          <p:cNvPr id="3" name="Content Placeholder 2">
-            <a:extLst>
-              <a:ext uri="{FF2B5EF4-FFF2-40B4-BE49-F238E27FC236}">
-                <a16:creationId xmlns:a16="http://schemas.microsoft.com/office/drawing/2014/main" id="{BF115787-C7C5-40FF-9F79-31FD29A6B6B4}"/>
-              </a:ext>
-            </a:extLst>
-          </p:cNvPr>
-          <p:cNvSpPr>
-            <a:spLocks noGrp="1"/>
-          </p:cNvSpPr>
-          <p:nvPr>
-            <p:ph idx="1"/>
-          </p:nvPr>
-        </p:nvSpPr>
-        <p:spPr>
-          <a:xfrm>
-            <a:off x="838200" y="1075766"/>
-            <a:ext cx="10515600" cy="5611905"/>
-          </a:xfrm>
-          <a:ln>
-            <a:solidFill>
-              <a:schemeClr val="accent1"/>
-            </a:solidFill>
-          </a:ln>
-        </p:spPr>
-        <p:txBody>
-          <a:bodyPr>
-            <a:normAutofit fontScale="92500" lnSpcReduction="20000"/>
+          <a:bodyPr anchor="ctr">
+            <a:noAutofit/>
           </a:bodyPr>
           <a:lstStyle/>
           <a:p>
-            <a:r>
-              <a:rPr lang="en-US" dirty="0"/>
-              <a:t>Clusters</a:t>
-            </a:r>
-          </a:p>
-          <a:p>
-            <a:r>
-              <a:rPr lang="en-US" dirty="0"/>
-              <a:t>Workload Scheduler &amp; Resources Manager</a:t>
-            </a:r>
-          </a:p>
-          <a:p>
-            <a:pPr lvl="1"/>
-            <a:r>
-              <a:rPr lang="en-US" dirty="0"/>
-              <a:t>Description</a:t>
-            </a:r>
-          </a:p>
-          <a:p>
-            <a:pPr lvl="1"/>
-            <a:r>
-              <a:rPr lang="en-US" dirty="0"/>
-              <a:t>Existing and commonly used</a:t>
-            </a:r>
-          </a:p>
-          <a:p>
-            <a:pPr lvl="2"/>
-            <a:r>
-              <a:rPr lang="en-US" dirty="0"/>
-              <a:t>PBS/TORQUE, SLURM</a:t>
-            </a:r>
-          </a:p>
-          <a:p>
-            <a:r>
-              <a:rPr lang="en-US" dirty="0"/>
-              <a:t>Example of WLRM across universities and institutions</a:t>
-            </a:r>
-          </a:p>
-          <a:p>
-            <a:pPr lvl="1"/>
-            <a:r>
-              <a:rPr lang="en-US" dirty="0"/>
-              <a:t>OU SLURM</a:t>
-            </a:r>
-          </a:p>
-          <a:p>
-            <a:pPr lvl="1"/>
-            <a:r>
-              <a:rPr lang="en-US" dirty="0"/>
-              <a:t>OSU TORQUE</a:t>
-            </a:r>
-          </a:p>
-          <a:p>
-            <a:pPr lvl="1"/>
-            <a:r>
-              <a:rPr lang="en-US" dirty="0"/>
-              <a:t>Blue Water PBS/TORQUE</a:t>
-            </a:r>
-          </a:p>
-          <a:p>
-            <a:r>
-              <a:rPr lang="en-US" dirty="0"/>
-              <a:t>Equivalent Basic Commands across Workload schedulers</a:t>
-            </a:r>
-          </a:p>
-          <a:p>
-            <a:r>
-              <a:rPr lang="en-US" dirty="0"/>
-              <a:t>Structure of Job Scripts</a:t>
-            </a:r>
-          </a:p>
-          <a:p>
-            <a:pPr lvl="1"/>
-            <a:r>
-              <a:rPr lang="en-US" dirty="0"/>
-              <a:t>Resource Manager (computing nodes, Memory, software application, job size)</a:t>
-            </a:r>
-          </a:p>
-          <a:p>
-            <a:pPr lvl="1"/>
-            <a:r>
-              <a:rPr lang="en-US" dirty="0"/>
-              <a:t>Scheduling Partition (time duration needs)</a:t>
-            </a:r>
-          </a:p>
-          <a:p>
-            <a:r>
-              <a:rPr lang="en-US" dirty="0"/>
-              <a:t>Examples of Programs &amp; Job scripts (</a:t>
-            </a:r>
-            <a:r>
-              <a:rPr lang="en-US" dirty="0" err="1"/>
-              <a:t>hello_world_mpi</a:t>
-            </a:r>
-            <a:r>
-              <a:rPr lang="en-US" dirty="0"/>
-              <a:t>, </a:t>
-            </a:r>
-            <a:r>
-              <a:rPr lang="en-US" dirty="0" err="1"/>
-              <a:t>Area_curve</a:t>
-            </a:r>
-            <a:r>
-              <a:rPr lang="en-US" dirty="0"/>
-              <a:t>)</a:t>
-            </a:r>
-          </a:p>
-          <a:p>
-            <a:r>
-              <a:rPr lang="en-US" dirty="0"/>
-              <a:t>Screenshots</a:t>
-            </a:r>
-          </a:p>
-          <a:p>
-            <a:pPr lvl="1"/>
-            <a:endParaRPr lang="en-US" dirty="0"/>
-          </a:p>
-          <a:p>
-            <a:pPr lvl="1"/>
-            <a:endParaRPr lang="en-US" dirty="0"/>
-          </a:p>
-          <a:p>
-            <a:endParaRPr lang="en-US" dirty="0"/>
+            <a:pPr algn="l" fontAlgn="ctr"/>
+            <a:r>
+              <a:rPr lang="en-US" sz="2800" dirty="0">
+                <a:latin typeface="Times New Roman" charset="0"/>
+                <a:ea typeface="Times New Roman" charset="0"/>
+                <a:cs typeface="Times New Roman" charset="0"/>
+              </a:rPr>
+              <a:t>Except where otherwise noted, this work by</a:t>
+            </a:r>
+            <a:br>
+              <a:rPr lang="en-US" sz="2800" dirty="0">
+                <a:latin typeface="Times New Roman" charset="0"/>
+                <a:ea typeface="Times New Roman" charset="0"/>
+                <a:cs typeface="Times New Roman" charset="0"/>
+              </a:rPr>
+            </a:br>
+            <a:r>
+              <a:rPr lang="en-US" sz="2800" dirty="0">
+                <a:latin typeface="Times New Roman" charset="0"/>
+                <a:ea typeface="Times New Roman" charset="0"/>
+                <a:cs typeface="Times New Roman" charset="0"/>
+              </a:rPr>
+              <a:t>The Shodor Education Foundation, Inc. is licensed under</a:t>
+            </a:r>
+            <a:br>
+              <a:rPr lang="en-US" sz="2800" dirty="0">
+                <a:latin typeface="Times New Roman" charset="0"/>
+                <a:ea typeface="Times New Roman" charset="0"/>
+                <a:cs typeface="Times New Roman" charset="0"/>
+              </a:rPr>
+            </a:br>
+            <a:r>
+              <a:rPr lang="en-US" sz="2800" dirty="0">
+                <a:latin typeface="Times New Roman" charset="0"/>
+                <a:ea typeface="Times New Roman" charset="0"/>
+                <a:cs typeface="Times New Roman" charset="0"/>
+              </a:rPr>
+              <a:t>CC BY-NC 4.0. To view a copy of this license, visit </a:t>
+            </a:r>
+            <a:r>
+              <a:rPr lang="en-US" sz="2800" dirty="0">
+                <a:latin typeface="Times New Roman" charset="0"/>
+                <a:ea typeface="Times New Roman" charset="0"/>
+                <a:cs typeface="Times New Roman" charset="0"/>
+                <a:hlinkClick r:id="rId2"/>
+              </a:rPr>
+              <a:t>https://creativecommons.org/licenses/by-nc/4.0</a:t>
+            </a:r>
+            <a:r>
+              <a:rPr lang="en-US" sz="2800" dirty="0">
+                <a:latin typeface="Times New Roman" charset="0"/>
+                <a:ea typeface="Times New Roman" charset="0"/>
+                <a:cs typeface="Times New Roman" charset="0"/>
+              </a:rPr>
+              <a:t/>
+            </a:r>
+            <a:br>
+              <a:rPr lang="en-US" sz="2800" dirty="0">
+                <a:latin typeface="Times New Roman" charset="0"/>
+                <a:ea typeface="Times New Roman" charset="0"/>
+                <a:cs typeface="Times New Roman" charset="0"/>
+              </a:rPr>
+            </a:br>
+            <a:r>
+              <a:rPr lang="en-US" sz="2800" dirty="0">
+                <a:latin typeface="Times New Roman" charset="0"/>
+                <a:ea typeface="Times New Roman" charset="0"/>
+                <a:cs typeface="Times New Roman" charset="0"/>
+              </a:rPr>
+              <a:t/>
+            </a:r>
+            <a:br>
+              <a:rPr lang="en-US" sz="2800" dirty="0">
+                <a:latin typeface="Times New Roman" charset="0"/>
+                <a:ea typeface="Times New Roman" charset="0"/>
+                <a:cs typeface="Times New Roman" charset="0"/>
+              </a:rPr>
+            </a:br>
+            <a:r>
+              <a:rPr lang="en-US" sz="2800" dirty="0">
+                <a:latin typeface="Times New Roman" charset="0"/>
+                <a:ea typeface="Times New Roman" charset="0"/>
+                <a:cs typeface="Times New Roman" charset="0"/>
+              </a:rPr>
+              <a:t>Browse and search the full curriculum at </a:t>
+            </a:r>
+            <a:r>
+              <a:rPr lang="en-US" sz="2800" dirty="0">
+                <a:latin typeface="Times New Roman" charset="0"/>
+                <a:ea typeface="Times New Roman" charset="0"/>
+                <a:cs typeface="Times New Roman" charset="0"/>
+                <a:hlinkClick r:id="rId3"/>
+              </a:rPr>
+              <a:t>http://shodor.org/petascale/materials/semester-curriculum</a:t>
+            </a:r>
+            <a:r>
+              <a:rPr lang="en-US" sz="2800" dirty="0">
+                <a:latin typeface="Times New Roman" charset="0"/>
+                <a:ea typeface="Times New Roman" charset="0"/>
+                <a:cs typeface="Times New Roman" charset="0"/>
+              </a:rPr>
+              <a:t/>
+            </a:r>
+            <a:br>
+              <a:rPr lang="en-US" sz="2800" dirty="0">
+                <a:latin typeface="Times New Roman" charset="0"/>
+                <a:ea typeface="Times New Roman" charset="0"/>
+                <a:cs typeface="Times New Roman" charset="0"/>
+              </a:rPr>
+            </a:br>
+            <a:r>
+              <a:rPr lang="en-US" sz="2800" dirty="0">
+                <a:latin typeface="Times New Roman" charset="0"/>
+                <a:ea typeface="Times New Roman" charset="0"/>
+                <a:cs typeface="Times New Roman" charset="0"/>
+              </a:rPr>
+              <a:t/>
+            </a:r>
+            <a:br>
+              <a:rPr lang="en-US" sz="2800" dirty="0">
+                <a:latin typeface="Times New Roman" charset="0"/>
+                <a:ea typeface="Times New Roman" charset="0"/>
+                <a:cs typeface="Times New Roman" charset="0"/>
+              </a:rPr>
+            </a:br>
+            <a:r>
+              <a:rPr lang="en-US" sz="2800" dirty="0">
+                <a:latin typeface="Times New Roman" charset="0"/>
+                <a:ea typeface="Times New Roman" charset="0"/>
+                <a:cs typeface="Times New Roman" charset="0"/>
+              </a:rPr>
+              <a:t>We welcome your improvements! You can submit your proposed changes to this material and the rest of the curriculum in our GitHub repository at </a:t>
+            </a:r>
+            <a:r>
+              <a:rPr lang="en-US" sz="2800" dirty="0">
+                <a:latin typeface="Times New Roman" charset="0"/>
+                <a:ea typeface="Times New Roman" charset="0"/>
+                <a:cs typeface="Times New Roman" charset="0"/>
+                <a:hlinkClick r:id="rId4"/>
+              </a:rPr>
+              <a:t>https://github.com/shodor-education/petascale-semester-curriculum</a:t>
+            </a:r>
+            <a:r>
+              <a:rPr lang="en-US" sz="2800" dirty="0">
+                <a:latin typeface="Times New Roman" charset="0"/>
+                <a:ea typeface="Times New Roman" charset="0"/>
+                <a:cs typeface="Times New Roman" charset="0"/>
+              </a:rPr>
+              <a:t/>
+            </a:r>
+            <a:br>
+              <a:rPr lang="en-US" sz="2800" dirty="0">
+                <a:latin typeface="Times New Roman" charset="0"/>
+                <a:ea typeface="Times New Roman" charset="0"/>
+                <a:cs typeface="Times New Roman" charset="0"/>
+              </a:rPr>
+            </a:br>
+            <a:r>
+              <a:rPr lang="en-US" sz="2800" dirty="0">
+                <a:latin typeface="Times New Roman" charset="0"/>
+                <a:ea typeface="Times New Roman" charset="0"/>
+                <a:cs typeface="Times New Roman" charset="0"/>
+              </a:rPr>
+              <a:t/>
+            </a:r>
+            <a:br>
+              <a:rPr lang="en-US" sz="2800" dirty="0">
+                <a:latin typeface="Times New Roman" charset="0"/>
+                <a:ea typeface="Times New Roman" charset="0"/>
+                <a:cs typeface="Times New Roman" charset="0"/>
+              </a:rPr>
+            </a:br>
+            <a:r>
+              <a:rPr lang="en-US" sz="2800" dirty="0">
+                <a:latin typeface="Times New Roman" charset="0"/>
+                <a:ea typeface="Times New Roman" charset="0"/>
+                <a:cs typeface="Times New Roman" charset="0"/>
+              </a:rPr>
+              <a:t>We want to hear from you! Please let us know your experiences using this material by sending email to </a:t>
+            </a:r>
+            <a:r>
+              <a:rPr lang="en-US" sz="2800" dirty="0">
+                <a:latin typeface="Times New Roman" charset="0"/>
+                <a:ea typeface="Times New Roman" charset="0"/>
+                <a:cs typeface="Times New Roman" charset="0"/>
+                <a:hlinkClick r:id="rId5"/>
+              </a:rPr>
+              <a:t>petascale@shodor.org</a:t>
+            </a:r>
+            <a:endParaRPr lang="en-US" sz="3600" dirty="0">
+              <a:latin typeface="Times New Roman" charset="0"/>
+              <a:ea typeface="Times New Roman" charset="0"/>
+              <a:cs typeface="Times New Roman" charset="0"/>
+            </a:endParaRPr>
           </a:p>
         </p:txBody>
       </p:sp>
     </p:spTree>
     <p:extLst>
       <p:ext uri="{BB962C8B-B14F-4D97-AF65-F5344CB8AC3E}">
-        <p14:creationId xmlns:p14="http://schemas.microsoft.com/office/powerpoint/2010/main" val="3415397910"/>
+        <p14:creationId xmlns:p14="http://schemas.microsoft.com/office/powerpoint/2010/main" val="218266888"/>
       </p:ext>
     </p:extLst>
   </p:cSld>
   <p:clrMapOvr>
     <a:masterClrMapping/>
   </p:clrMapOvr>
+  <p:timing>
+    <p:tnLst>
+      <p:par>
+        <p:cTn id="1" dur="indefinite" restart="never" nodeType="tmRoot"/>
+      </p:par>
+    </p:tnLst>
+  </p:timing>
 </p:sld>
 </file>
 
@@ -4869,7 +5088,7 @@
           <p:cNvPr id="2" name="Title 1">
             <a:extLst>
               <a:ext uri="{FF2B5EF4-FFF2-40B4-BE49-F238E27FC236}">
-                <a16:creationId xmlns:a16="http://schemas.microsoft.com/office/drawing/2014/main" id="{B5AA7FA5-7F79-4362-84A7-947BBE478DC1}"/>
+                <a16:creationId xmlns:a16="http://schemas.microsoft.com/office/drawing/2014/main" xmlns="" id="{56DE7892-6AAD-4E4B-B485-21B5ECB7EC8C}"/>
               </a:ext>
             </a:extLst>
           </p:cNvPr>
@@ -4882,8 +5101,8 @@
         </p:nvSpPr>
         <p:spPr>
           <a:xfrm>
-            <a:off x="838200" y="150807"/>
-            <a:ext cx="10515600" cy="820738"/>
+            <a:off x="838200" y="365126"/>
+            <a:ext cx="10515600" cy="710640"/>
           </a:xfrm>
         </p:spPr>
         <p:txBody>
@@ -4893,7 +5112,7 @@
             <a:pPr algn="ctr"/>
             <a:r>
               <a:rPr lang="en-US" dirty="0"/>
-              <a:t>Workload Scheduler &amp; Resources Manager</a:t>
+              <a:t>Outline</a:t>
             </a:r>
           </a:p>
         </p:txBody>
@@ -4903,7 +5122,7 @@
           <p:cNvPr id="3" name="Content Placeholder 2">
             <a:extLst>
               <a:ext uri="{FF2B5EF4-FFF2-40B4-BE49-F238E27FC236}">
-                <a16:creationId xmlns:a16="http://schemas.microsoft.com/office/drawing/2014/main" id="{9914B3CA-33C5-47E9-B3FC-EEB1273603F5}"/>
+                <a16:creationId xmlns:a16="http://schemas.microsoft.com/office/drawing/2014/main" xmlns="" id="{BF115787-C7C5-40FF-9F79-31FD29A6B6B4}"/>
               </a:ext>
             </a:extLst>
           </p:cNvPr>
@@ -4916,8 +5135,8 @@
         </p:nvSpPr>
         <p:spPr>
           <a:xfrm>
-            <a:off x="838200" y="971544"/>
-            <a:ext cx="10515600" cy="5600705"/>
+            <a:off x="838200" y="1075766"/>
+            <a:ext cx="10515600" cy="5611905"/>
           </a:xfrm>
           <a:ln>
             <a:solidFill>
@@ -4926,8 +5145,22 @@
           </a:ln>
         </p:spPr>
         <p:txBody>
-          <a:bodyPr/>
+          <a:bodyPr>
+            <a:normAutofit fontScale="92500" lnSpcReduction="20000"/>
+          </a:bodyPr>
           <a:lstStyle/>
+          <a:p>
+            <a:r>
+              <a:rPr lang="en-US" dirty="0"/>
+              <a:t>Clusters</a:t>
+            </a:r>
+          </a:p>
+          <a:p>
+            <a:r>
+              <a:rPr lang="en-US" dirty="0"/>
+              <a:t>Workload Scheduler &amp; Resources Manager</a:t>
+            </a:r>
+          </a:p>
           <a:p>
             <a:pPr lvl="1"/>
             <a:r>
@@ -4937,7 +5170,98 @@
           </a:p>
           <a:p>
             <a:pPr lvl="1"/>
-            <a:endParaRPr lang="en-US" dirty="0"/>
+            <a:r>
+              <a:rPr lang="en-US" dirty="0"/>
+              <a:t>Existing and commonly used</a:t>
+            </a:r>
+          </a:p>
+          <a:p>
+            <a:pPr lvl="2"/>
+            <a:r>
+              <a:rPr lang="en-US" dirty="0"/>
+              <a:t>PBS/TORQUE, SLURM</a:t>
+            </a:r>
+          </a:p>
+          <a:p>
+            <a:r>
+              <a:rPr lang="en-US" dirty="0"/>
+              <a:t>Example of WLRM across universities and institutions</a:t>
+            </a:r>
+          </a:p>
+          <a:p>
+            <a:pPr lvl="1"/>
+            <a:r>
+              <a:rPr lang="en-US" dirty="0"/>
+              <a:t>OU SLURM</a:t>
+            </a:r>
+          </a:p>
+          <a:p>
+            <a:pPr lvl="1"/>
+            <a:r>
+              <a:rPr lang="en-US" dirty="0"/>
+              <a:t>OSU TORQUE</a:t>
+            </a:r>
+          </a:p>
+          <a:p>
+            <a:pPr lvl="1"/>
+            <a:r>
+              <a:rPr lang="en-US" dirty="0"/>
+              <a:t>Blue Water PBS/TORQUE</a:t>
+            </a:r>
+          </a:p>
+          <a:p>
+            <a:r>
+              <a:rPr lang="en-US" dirty="0"/>
+              <a:t>Equivalent Basic Commands across Workload schedulers</a:t>
+            </a:r>
+          </a:p>
+          <a:p>
+            <a:r>
+              <a:rPr lang="en-US" dirty="0"/>
+              <a:t>Structure of Job Scripts</a:t>
+            </a:r>
+          </a:p>
+          <a:p>
+            <a:pPr lvl="1"/>
+            <a:r>
+              <a:rPr lang="en-US" dirty="0"/>
+              <a:t>Resource Manager (computing nodes, Memory, software application, job size)</a:t>
+            </a:r>
+          </a:p>
+          <a:p>
+            <a:pPr lvl="1"/>
+            <a:r>
+              <a:rPr lang="en-US" dirty="0"/>
+              <a:t>Scheduling Partition (time duration needs)</a:t>
+            </a:r>
+          </a:p>
+          <a:p>
+            <a:r>
+              <a:rPr lang="en-US" dirty="0"/>
+              <a:t>Examples of Programs &amp; Job scripts (</a:t>
+            </a:r>
+            <a:r>
+              <a:rPr lang="en-US" dirty="0" err="1"/>
+              <a:t>hello_world_mpi</a:t>
+            </a:r>
+            <a:r>
+              <a:rPr lang="en-US" dirty="0"/>
+              <a:t>, </a:t>
+            </a:r>
+            <a:r>
+              <a:rPr lang="en-US" dirty="0" err="1"/>
+              <a:t>Area_curve</a:t>
+            </a:r>
+            <a:r>
+              <a:rPr lang="en-US" dirty="0"/>
+              <a:t>)</a:t>
+            </a:r>
+          </a:p>
+          <a:p>
+            <a:r>
+              <a:rPr lang="en-US" dirty="0"/>
+              <a:t>Screenshots</a:t>
+            </a:r>
           </a:p>
           <a:p>
             <a:pPr lvl="1"/>
@@ -4946,34 +5270,6 @@
           <a:p>
             <a:pPr lvl="1"/>
             <a:endParaRPr lang="en-US" dirty="0"/>
-          </a:p>
-          <a:p>
-            <a:pPr lvl="1"/>
-            <a:endParaRPr lang="en-US" dirty="0"/>
-          </a:p>
-          <a:p>
-            <a:pPr lvl="1"/>
-            <a:endParaRPr lang="en-US" dirty="0"/>
-          </a:p>
-          <a:p>
-            <a:pPr marL="457200" lvl="1" indent="0">
-              <a:buNone/>
-            </a:pPr>
-            <a:endParaRPr lang="en-US" dirty="0"/>
-          </a:p>
-          <a:p>
-            <a:pPr lvl="1"/>
-            <a:r>
-              <a:rPr lang="en-US" dirty="0"/>
-              <a:t>Existing and commonly used</a:t>
-            </a:r>
-          </a:p>
-          <a:p>
-            <a:pPr lvl="2"/>
-            <a:r>
-              <a:rPr lang="en-US" dirty="0"/>
-              <a:t>PBS/TORQUE, SLURM</a:t>
-            </a:r>
           </a:p>
           <a:p>
             <a:endParaRPr lang="en-US" dirty="0"/>
@@ -4983,7 +5279,7 @@
     </p:spTree>
     <p:extLst>
       <p:ext uri="{BB962C8B-B14F-4D97-AF65-F5344CB8AC3E}">
-        <p14:creationId xmlns:p14="http://schemas.microsoft.com/office/powerpoint/2010/main" val="411938562"/>
+        <p14:creationId xmlns:p14="http://schemas.microsoft.com/office/powerpoint/2010/main" val="3415397910"/>
       </p:ext>
     </p:extLst>
   </p:cSld>
@@ -5015,7 +5311,153 @@
           <p:cNvPr id="2" name="Title 1">
             <a:extLst>
               <a:ext uri="{FF2B5EF4-FFF2-40B4-BE49-F238E27FC236}">
-                <a16:creationId xmlns:a16="http://schemas.microsoft.com/office/drawing/2014/main" id="{DCD523A4-4172-4CF3-87EF-55764807B741}"/>
+                <a16:creationId xmlns:a16="http://schemas.microsoft.com/office/drawing/2014/main" xmlns="" id="{B5AA7FA5-7F79-4362-84A7-947BBE478DC1}"/>
+              </a:ext>
+            </a:extLst>
+          </p:cNvPr>
+          <p:cNvSpPr>
+            <a:spLocks noGrp="1"/>
+          </p:cNvSpPr>
+          <p:nvPr>
+            <p:ph type="title"/>
+          </p:nvPr>
+        </p:nvSpPr>
+        <p:spPr>
+          <a:xfrm>
+            <a:off x="838200" y="150807"/>
+            <a:ext cx="10515600" cy="820738"/>
+          </a:xfrm>
+        </p:spPr>
+        <p:txBody>
+          <a:bodyPr/>
+          <a:lstStyle/>
+          <a:p>
+            <a:pPr algn="ctr"/>
+            <a:r>
+              <a:rPr lang="en-US" dirty="0"/>
+              <a:t>Workload Scheduler &amp; Resources Manager</a:t>
+            </a:r>
+          </a:p>
+        </p:txBody>
+      </p:sp>
+      <p:sp>
+        <p:nvSpPr>
+          <p:cNvPr id="3" name="Content Placeholder 2">
+            <a:extLst>
+              <a:ext uri="{FF2B5EF4-FFF2-40B4-BE49-F238E27FC236}">
+                <a16:creationId xmlns:a16="http://schemas.microsoft.com/office/drawing/2014/main" xmlns="" id="{9914B3CA-33C5-47E9-B3FC-EEB1273603F5}"/>
+              </a:ext>
+            </a:extLst>
+          </p:cNvPr>
+          <p:cNvSpPr>
+            <a:spLocks noGrp="1"/>
+          </p:cNvSpPr>
+          <p:nvPr>
+            <p:ph idx="1"/>
+          </p:nvPr>
+        </p:nvSpPr>
+        <p:spPr>
+          <a:xfrm>
+            <a:off x="838200" y="971544"/>
+            <a:ext cx="10515600" cy="5600705"/>
+          </a:xfrm>
+          <a:ln>
+            <a:solidFill>
+              <a:schemeClr val="accent1"/>
+            </a:solidFill>
+          </a:ln>
+        </p:spPr>
+        <p:txBody>
+          <a:bodyPr/>
+          <a:lstStyle/>
+          <a:p>
+            <a:pPr lvl="1"/>
+            <a:r>
+              <a:rPr lang="en-US" dirty="0"/>
+              <a:t>Description</a:t>
+            </a:r>
+          </a:p>
+          <a:p>
+            <a:pPr lvl="1"/>
+            <a:endParaRPr lang="en-US" dirty="0"/>
+          </a:p>
+          <a:p>
+            <a:pPr lvl="1"/>
+            <a:endParaRPr lang="en-US" dirty="0"/>
+          </a:p>
+          <a:p>
+            <a:pPr lvl="1"/>
+            <a:endParaRPr lang="en-US" dirty="0"/>
+          </a:p>
+          <a:p>
+            <a:pPr lvl="1"/>
+            <a:endParaRPr lang="en-US" dirty="0"/>
+          </a:p>
+          <a:p>
+            <a:pPr lvl="1"/>
+            <a:endParaRPr lang="en-US" dirty="0"/>
+          </a:p>
+          <a:p>
+            <a:pPr marL="457200" lvl="1" indent="0">
+              <a:buNone/>
+            </a:pPr>
+            <a:endParaRPr lang="en-US" dirty="0"/>
+          </a:p>
+          <a:p>
+            <a:pPr lvl="1"/>
+            <a:r>
+              <a:rPr lang="en-US" dirty="0"/>
+              <a:t>Existing and commonly used</a:t>
+            </a:r>
+          </a:p>
+          <a:p>
+            <a:pPr lvl="2"/>
+            <a:r>
+              <a:rPr lang="en-US" dirty="0"/>
+              <a:t>PBS/TORQUE, SLURM</a:t>
+            </a:r>
+          </a:p>
+          <a:p>
+            <a:endParaRPr lang="en-US" dirty="0"/>
+          </a:p>
+        </p:txBody>
+      </p:sp>
+    </p:spTree>
+    <p:extLst>
+      <p:ext uri="{BB962C8B-B14F-4D97-AF65-F5344CB8AC3E}">
+        <p14:creationId xmlns:p14="http://schemas.microsoft.com/office/powerpoint/2010/main" val="411938562"/>
+      </p:ext>
+    </p:extLst>
+  </p:cSld>
+  <p:clrMapOvr>
+    <a:masterClrMapping/>
+  </p:clrMapOvr>
+</p:sld>
+</file>
+
+<file path=ppt/slides/slide5.xml><?xml version="1.0" encoding="utf-8"?>
+<p:sld xmlns:a="http://schemas.openxmlformats.org/drawingml/2006/main" xmlns:r="http://schemas.openxmlformats.org/officeDocument/2006/relationships" xmlns:p="http://schemas.openxmlformats.org/presentationml/2006/main">
+  <p:cSld>
+    <p:spTree>
+      <p:nvGrpSpPr>
+        <p:cNvPr id="1" name=""/>
+        <p:cNvGrpSpPr/>
+        <p:nvPr/>
+      </p:nvGrpSpPr>
+      <p:grpSpPr>
+        <a:xfrm>
+          <a:off x="0" y="0"/>
+          <a:ext cx="0" cy="0"/>
+          <a:chOff x="0" y="0"/>
+          <a:chExt cx="0" cy="0"/>
+        </a:xfrm>
+      </p:grpSpPr>
+      <p:sp>
+        <p:nvSpPr>
+          <p:cNvPr id="2" name="Title 1">
+            <a:extLst>
+              <a:ext uri="{FF2B5EF4-FFF2-40B4-BE49-F238E27FC236}">
+                <a16:creationId xmlns:a16="http://schemas.microsoft.com/office/drawing/2014/main" xmlns="" id="{DCD523A4-4172-4CF3-87EF-55764807B741}"/>
               </a:ext>
             </a:extLst>
           </p:cNvPr>
@@ -5051,7 +5493,7 @@
           <p:cNvPr id="4" name="Table 4">
             <a:extLst>
               <a:ext uri="{FF2B5EF4-FFF2-40B4-BE49-F238E27FC236}">
-                <a16:creationId xmlns:a16="http://schemas.microsoft.com/office/drawing/2014/main" id="{251C0C9B-8E40-4667-9FCE-EA58401C9B6D}"/>
+                <a16:creationId xmlns:a16="http://schemas.microsoft.com/office/drawing/2014/main" xmlns="" id="{251C0C9B-8E40-4667-9FCE-EA58401C9B6D}"/>
               </a:ext>
             </a:extLst>
           </p:cNvPr>
@@ -5081,21 +5523,21 @@
                 <a:gridCol w="3505199">
                   <a:extLst>
                     <a:ext uri="{9D8B030D-6E8A-4147-A177-3AD203B41FA5}">
-                      <a16:colId xmlns:a16="http://schemas.microsoft.com/office/drawing/2014/main" val="2498812653"/>
+                      <a16:colId xmlns:a16="http://schemas.microsoft.com/office/drawing/2014/main" xmlns="" val="2498812653"/>
                     </a:ext>
                   </a:extLst>
                 </a:gridCol>
                 <a:gridCol w="3505199">
                   <a:extLst>
                     <a:ext uri="{9D8B030D-6E8A-4147-A177-3AD203B41FA5}">
-                      <a16:colId xmlns:a16="http://schemas.microsoft.com/office/drawing/2014/main" val="1636506021"/>
+                      <a16:colId xmlns:a16="http://schemas.microsoft.com/office/drawing/2014/main" xmlns="" val="1636506021"/>
                     </a:ext>
                   </a:extLst>
                 </a:gridCol>
                 <a:gridCol w="3505199">
                   <a:extLst>
                     <a:ext uri="{9D8B030D-6E8A-4147-A177-3AD203B41FA5}">
-                      <a16:colId xmlns:a16="http://schemas.microsoft.com/office/drawing/2014/main" val="3911463009"/>
+                      <a16:colId xmlns:a16="http://schemas.microsoft.com/office/drawing/2014/main" xmlns="" val="3911463009"/>
                     </a:ext>
                   </a:extLst>
                 </a:gridCol>
@@ -5271,7 +5713,7 @@
                 </a:tc>
                 <a:extLst>
                   <a:ext uri="{0D108BD9-81ED-4DB2-BD59-A6C34878D82A}">
-                    <a16:rowId xmlns:a16="http://schemas.microsoft.com/office/drawing/2014/main" val="3268635304"/>
+                    <a16:rowId xmlns:a16="http://schemas.microsoft.com/office/drawing/2014/main" xmlns="" val="3268635304"/>
                   </a:ext>
                 </a:extLst>
               </a:tr>
@@ -5462,7 +5904,7 @@
                 </a:tc>
                 <a:extLst>
                   <a:ext uri="{0D108BD9-81ED-4DB2-BD59-A6C34878D82A}">
-                    <a16:rowId xmlns:a16="http://schemas.microsoft.com/office/drawing/2014/main" val="2197911722"/>
+                    <a16:rowId xmlns:a16="http://schemas.microsoft.com/office/drawing/2014/main" xmlns="" val="2197911722"/>
                   </a:ext>
                 </a:extLst>
               </a:tr>
@@ -5653,7 +6095,7 @@
                 </a:tc>
                 <a:extLst>
                   <a:ext uri="{0D108BD9-81ED-4DB2-BD59-A6C34878D82A}">
-                    <a16:rowId xmlns:a16="http://schemas.microsoft.com/office/drawing/2014/main" val="2652785360"/>
+                    <a16:rowId xmlns:a16="http://schemas.microsoft.com/office/drawing/2014/main" xmlns="" val="2652785360"/>
                   </a:ext>
                 </a:extLst>
               </a:tr>
@@ -5860,7 +6302,7 @@
                 </a:tc>
                 <a:extLst>
                   <a:ext uri="{0D108BD9-81ED-4DB2-BD59-A6C34878D82A}">
-                    <a16:rowId xmlns:a16="http://schemas.microsoft.com/office/drawing/2014/main" val="534654304"/>
+                    <a16:rowId xmlns:a16="http://schemas.microsoft.com/office/drawing/2014/main" xmlns="" val="534654304"/>
                   </a:ext>
                 </a:extLst>
               </a:tr>
@@ -6051,7 +6493,7 @@
                 </a:tc>
                 <a:extLst>
                   <a:ext uri="{0D108BD9-81ED-4DB2-BD59-A6C34878D82A}">
-                    <a16:rowId xmlns:a16="http://schemas.microsoft.com/office/drawing/2014/main" val="3441806414"/>
+                    <a16:rowId xmlns:a16="http://schemas.microsoft.com/office/drawing/2014/main" xmlns="" val="3441806414"/>
                   </a:ext>
                 </a:extLst>
               </a:tr>
@@ -6242,7 +6684,7 @@
                 </a:tc>
                 <a:extLst>
                   <a:ext uri="{0D108BD9-81ED-4DB2-BD59-A6C34878D82A}">
-                    <a16:rowId xmlns:a16="http://schemas.microsoft.com/office/drawing/2014/main" val="492611576"/>
+                    <a16:rowId xmlns:a16="http://schemas.microsoft.com/office/drawing/2014/main" xmlns="" val="492611576"/>
                   </a:ext>
                 </a:extLst>
               </a:tr>
@@ -6430,7 +6872,7 @@
                 </a:tc>
                 <a:extLst>
                   <a:ext uri="{0D108BD9-81ED-4DB2-BD59-A6C34878D82A}">
-                    <a16:rowId xmlns:a16="http://schemas.microsoft.com/office/drawing/2014/main" val="3415118378"/>
+                    <a16:rowId xmlns:a16="http://schemas.microsoft.com/office/drawing/2014/main" xmlns="" val="3415118378"/>
                   </a:ext>
                 </a:extLst>
               </a:tr>
@@ -6596,7 +7038,7 @@
                 </a:tc>
                 <a:extLst>
                   <a:ext uri="{0D108BD9-81ED-4DB2-BD59-A6C34878D82A}">
-                    <a16:rowId xmlns:a16="http://schemas.microsoft.com/office/drawing/2014/main" val="583496555"/>
+                    <a16:rowId xmlns:a16="http://schemas.microsoft.com/office/drawing/2014/main" xmlns="" val="583496555"/>
                   </a:ext>
                 </a:extLst>
               </a:tr>
@@ -6608,170 +7050,6 @@
     <p:extLst>
       <p:ext uri="{BB962C8B-B14F-4D97-AF65-F5344CB8AC3E}">
         <p14:creationId xmlns:p14="http://schemas.microsoft.com/office/powerpoint/2010/main" val="1164342792"/>
-      </p:ext>
-    </p:extLst>
-  </p:cSld>
-  <p:clrMapOvr>
-    <a:masterClrMapping/>
-  </p:clrMapOvr>
-</p:sld>
-</file>
-
-<file path=ppt/slides/slide5.xml><?xml version="1.0" encoding="utf-8"?>
-<p:sld xmlns:a="http://schemas.openxmlformats.org/drawingml/2006/main" xmlns:r="http://schemas.openxmlformats.org/officeDocument/2006/relationships" xmlns:p="http://schemas.openxmlformats.org/presentationml/2006/main">
-  <p:cSld>
-    <p:spTree>
-      <p:nvGrpSpPr>
-        <p:cNvPr id="1" name=""/>
-        <p:cNvGrpSpPr/>
-        <p:nvPr/>
-      </p:nvGrpSpPr>
-      <p:grpSpPr>
-        <a:xfrm>
-          <a:off x="0" y="0"/>
-          <a:ext cx="0" cy="0"/>
-          <a:chOff x="0" y="0"/>
-          <a:chExt cx="0" cy="0"/>
-        </a:xfrm>
-      </p:grpSpPr>
-      <p:sp>
-        <p:nvSpPr>
-          <p:cNvPr id="2" name="Title 1">
-            <a:extLst>
-              <a:ext uri="{FF2B5EF4-FFF2-40B4-BE49-F238E27FC236}">
-                <a16:creationId xmlns:a16="http://schemas.microsoft.com/office/drawing/2014/main" id="{2FAB9958-B62B-4060-8224-1BF9A2F435ED}"/>
-              </a:ext>
-            </a:extLst>
-          </p:cNvPr>
-          <p:cNvSpPr>
-            <a:spLocks noGrp="1"/>
-          </p:cNvSpPr>
-          <p:nvPr>
-            <p:ph type="title"/>
-          </p:nvPr>
-        </p:nvSpPr>
-        <p:spPr>
-          <a:xfrm>
-            <a:off x="838200" y="222245"/>
-            <a:ext cx="10515600" cy="1177930"/>
-          </a:xfrm>
-        </p:spPr>
-        <p:txBody>
-          <a:bodyPr>
-            <a:normAutofit fontScale="90000"/>
-          </a:bodyPr>
-          <a:lstStyle/>
-          <a:p>
-            <a:pPr algn="ctr"/>
-            <a:br>
-              <a:rPr lang="en-US" dirty="0"/>
-            </a:br>
-            <a:r>
-              <a:rPr lang="en-US" dirty="0"/>
-              <a:t>Example of WLRM across universities and institutions</a:t>
-            </a:r>
-            <a:br>
-              <a:rPr lang="en-US" dirty="0"/>
-            </a:br>
-            <a:endParaRPr lang="en-US" dirty="0"/>
-          </a:p>
-        </p:txBody>
-      </p:sp>
-      <p:sp>
-        <p:nvSpPr>
-          <p:cNvPr id="3" name="Content Placeholder 2">
-            <a:extLst>
-              <a:ext uri="{FF2B5EF4-FFF2-40B4-BE49-F238E27FC236}">
-                <a16:creationId xmlns:a16="http://schemas.microsoft.com/office/drawing/2014/main" id="{AAB8FE39-70FE-4FFF-940E-80858FD6080A}"/>
-              </a:ext>
-            </a:extLst>
-          </p:cNvPr>
-          <p:cNvSpPr>
-            <a:spLocks noGrp="1"/>
-          </p:cNvSpPr>
-          <p:nvPr>
-            <p:ph idx="1"/>
-          </p:nvPr>
-        </p:nvSpPr>
-        <p:spPr>
-          <a:xfrm>
-            <a:off x="838200" y="1400175"/>
-            <a:ext cx="10515600" cy="4776788"/>
-          </a:xfrm>
-          <a:ln>
-            <a:solidFill>
-              <a:schemeClr val="accent1"/>
-            </a:solidFill>
-          </a:ln>
-        </p:spPr>
-        <p:txBody>
-          <a:bodyPr/>
-          <a:lstStyle/>
-          <a:p>
-            <a:pPr lvl="1"/>
-            <a:r>
-              <a:rPr lang="en-US" dirty="0"/>
-              <a:t>OU : SLURM</a:t>
-            </a:r>
-          </a:p>
-          <a:p>
-            <a:pPr lvl="1"/>
-            <a:endParaRPr lang="en-US" dirty="0"/>
-          </a:p>
-          <a:p>
-            <a:pPr lvl="1"/>
-            <a:endParaRPr lang="en-US" dirty="0"/>
-          </a:p>
-          <a:p>
-            <a:pPr lvl="1"/>
-            <a:r>
-              <a:rPr lang="en-US" dirty="0"/>
-              <a:t>OSU : TORQUE</a:t>
-            </a:r>
-          </a:p>
-          <a:p>
-            <a:pPr lvl="1"/>
-            <a:endParaRPr lang="en-US" dirty="0"/>
-          </a:p>
-          <a:p>
-            <a:pPr lvl="1"/>
-            <a:endParaRPr lang="en-US" dirty="0"/>
-          </a:p>
-          <a:p>
-            <a:pPr lvl="1"/>
-            <a:r>
-              <a:rPr lang="en-US" dirty="0"/>
-              <a:t>Blue Water : PBS/TORQUE</a:t>
-            </a:r>
-          </a:p>
-          <a:p>
-            <a:pPr lvl="1"/>
-            <a:endParaRPr lang="en-US" dirty="0"/>
-          </a:p>
-          <a:p>
-            <a:pPr lvl="1"/>
-            <a:endParaRPr lang="en-US" dirty="0"/>
-          </a:p>
-          <a:p>
-            <a:pPr lvl="1"/>
-            <a:r>
-              <a:rPr lang="en-US" dirty="0"/>
-              <a:t>Lawrence National Laboratory: </a:t>
-            </a:r>
-          </a:p>
-          <a:p>
-            <a:pPr lvl="1"/>
-            <a:endParaRPr lang="en-US" dirty="0"/>
-          </a:p>
-          <a:p>
-            <a:endParaRPr lang="en-US" dirty="0"/>
-          </a:p>
-        </p:txBody>
-      </p:sp>
-    </p:spTree>
-    <p:extLst>
-      <p:ext uri="{BB962C8B-B14F-4D97-AF65-F5344CB8AC3E}">
-        <p14:creationId xmlns:p14="http://schemas.microsoft.com/office/powerpoint/2010/main" val="796545635"/>
       </p:ext>
     </p:extLst>
   </p:cSld>
@@ -6803,7 +7081,7 @@
           <p:cNvPr id="2" name="Title 1">
             <a:extLst>
               <a:ext uri="{FF2B5EF4-FFF2-40B4-BE49-F238E27FC236}">
-                <a16:creationId xmlns:a16="http://schemas.microsoft.com/office/drawing/2014/main" id="{1D9E7589-2ABE-45D5-A06C-3B2BD54A6CD6}"/>
+                <a16:creationId xmlns:a16="http://schemas.microsoft.com/office/drawing/2014/main" xmlns="" id="{2FAB9958-B62B-4060-8224-1BF9A2F435ED}"/>
               </a:ext>
             </a:extLst>
           </p:cNvPr>
@@ -6816,8 +7094,8 @@
         </p:nvSpPr>
         <p:spPr>
           <a:xfrm>
-            <a:off x="838200" y="114300"/>
-            <a:ext cx="10515600" cy="1057275"/>
+            <a:off x="838200" y="222245"/>
+            <a:ext cx="10515600" cy="1177930"/>
           </a:xfrm>
         </p:spPr>
         <p:txBody>
@@ -6829,8 +7107,19 @@
             <a:pPr algn="ctr"/>
             <a:r>
               <a:rPr lang="en-US" dirty="0"/>
-              <a:t>Equivalent Basic Commands across Workload Schedulers</a:t>
-            </a:r>
+              <a:t/>
+            </a:r>
+            <a:br>
+              <a:rPr lang="en-US" dirty="0"/>
+            </a:br>
+            <a:r>
+              <a:rPr lang="en-US" dirty="0"/>
+              <a:t>Example of WLRM across universities and institutions</a:t>
+            </a:r>
+            <a:br>
+              <a:rPr lang="en-US" dirty="0"/>
+            </a:br>
+            <a:endParaRPr lang="en-US" dirty="0"/>
           </a:p>
         </p:txBody>
       </p:sp>
@@ -6839,7 +7128,7 @@
           <p:cNvPr id="3" name="Content Placeholder 2">
             <a:extLst>
               <a:ext uri="{FF2B5EF4-FFF2-40B4-BE49-F238E27FC236}">
-                <a16:creationId xmlns:a16="http://schemas.microsoft.com/office/drawing/2014/main" id="{D079487C-CE65-412E-BBCE-401247007AD1}"/>
+                <a16:creationId xmlns:a16="http://schemas.microsoft.com/office/drawing/2014/main" xmlns="" id="{AAB8FE39-70FE-4FFF-940E-80858FD6080A}"/>
               </a:ext>
             </a:extLst>
           </p:cNvPr>
@@ -6852,8 +7141,8 @@
         </p:nvSpPr>
         <p:spPr>
           <a:xfrm>
-            <a:off x="838200" y="1171574"/>
-            <a:ext cx="10515600" cy="5572125"/>
+            <a:off x="838200" y="1400175"/>
+            <a:ext cx="10515600" cy="4776788"/>
           </a:xfrm>
           <a:ln>
             <a:solidFill>
@@ -6865,44 +7154,59 @@
           <a:bodyPr/>
           <a:lstStyle/>
           <a:p>
+            <a:pPr lvl="1"/>
             <a:r>
               <a:rPr lang="en-US" dirty="0"/>
-              <a:t>module load </a:t>
-            </a:r>
-            <a:r>
-              <a:rPr lang="en-US" dirty="0" err="1"/>
-              <a:t>OpenMPI</a:t>
-            </a:r>
+              <a:t>OU : SLURM</a:t>
+            </a:r>
+          </a:p>
+          <a:p>
+            <a:pPr lvl="1"/>
             <a:endParaRPr lang="en-US" dirty="0"/>
           </a:p>
           <a:p>
-            <a:r>
-              <a:rPr lang="en-US" dirty="0" err="1"/>
-              <a:t>sbatch</a:t>
-            </a:r>
+            <a:pPr lvl="1"/>
+            <a:endParaRPr lang="en-US" dirty="0"/>
+          </a:p>
+          <a:p>
+            <a:pPr lvl="1"/>
             <a:r>
               <a:rPr lang="en-US" dirty="0"/>
-              <a:t> </a:t>
-            </a:r>
-            <a:r>
-              <a:rPr lang="en-US" dirty="0" err="1"/>
-              <a:t>myJobScript</a:t>
-            </a:r>
+              <a:t>OSU : TORQUE</a:t>
+            </a:r>
+          </a:p>
+          <a:p>
+            <a:pPr lvl="1"/>
             <a:endParaRPr lang="en-US" dirty="0"/>
           </a:p>
           <a:p>
-            <a:r>
-              <a:rPr lang="en-US" dirty="0" err="1"/>
-              <a:t>squeue</a:t>
-            </a:r>
+            <a:pPr lvl="1"/>
+            <a:endParaRPr lang="en-US" dirty="0"/>
+          </a:p>
+          <a:p>
+            <a:pPr lvl="1"/>
             <a:r>
               <a:rPr lang="en-US" dirty="0"/>
-              <a:t> –u </a:t>
-            </a:r>
-            <a:r>
-              <a:rPr lang="en-US" dirty="0" err="1"/>
-              <a:t>haboudj</a:t>
-            </a:r>
+              <a:t>Blue Water : PBS/TORQUE</a:t>
+            </a:r>
+          </a:p>
+          <a:p>
+            <a:pPr lvl="1"/>
+            <a:endParaRPr lang="en-US" dirty="0"/>
+          </a:p>
+          <a:p>
+            <a:pPr lvl="1"/>
+            <a:endParaRPr lang="en-US" dirty="0"/>
+          </a:p>
+          <a:p>
+            <a:pPr lvl="1"/>
+            <a:r>
+              <a:rPr lang="en-US" dirty="0"/>
+              <a:t>Lawrence National Laboratory: </a:t>
+            </a:r>
+          </a:p>
+          <a:p>
+            <a:pPr lvl="1"/>
             <a:endParaRPr lang="en-US" dirty="0"/>
           </a:p>
           <a:p>
@@ -6913,7 +7217,7 @@
     </p:spTree>
     <p:extLst>
       <p:ext uri="{BB962C8B-B14F-4D97-AF65-F5344CB8AC3E}">
-        <p14:creationId xmlns:p14="http://schemas.microsoft.com/office/powerpoint/2010/main" val="1265351521"/>
+        <p14:creationId xmlns:p14="http://schemas.microsoft.com/office/powerpoint/2010/main" val="796545635"/>
       </p:ext>
     </p:extLst>
   </p:cSld>
@@ -6945,7 +7249,7 @@
           <p:cNvPr id="2" name="Title 1">
             <a:extLst>
               <a:ext uri="{FF2B5EF4-FFF2-40B4-BE49-F238E27FC236}">
-                <a16:creationId xmlns:a16="http://schemas.microsoft.com/office/drawing/2014/main" id="{F5FCAC37-FCD7-4874-A923-C3B1707012B5}"/>
+                <a16:creationId xmlns:a16="http://schemas.microsoft.com/office/drawing/2014/main" xmlns="" id="{1D9E7589-2ABE-45D5-A06C-3B2BD54A6CD6}"/>
               </a:ext>
             </a:extLst>
           </p:cNvPr>
@@ -6958,18 +7262,20 @@
         </p:nvSpPr>
         <p:spPr>
           <a:xfrm>
-            <a:off x="838200" y="100013"/>
-            <a:ext cx="10515600" cy="771525"/>
+            <a:off x="838200" y="114300"/>
+            <a:ext cx="10515600" cy="1057275"/>
           </a:xfrm>
         </p:spPr>
         <p:txBody>
-          <a:bodyPr/>
+          <a:bodyPr>
+            <a:normAutofit fontScale="90000"/>
+          </a:bodyPr>
           <a:lstStyle/>
           <a:p>
             <a:pPr algn="ctr"/>
             <a:r>
               <a:rPr lang="en-US" dirty="0"/>
-              <a:t>Structure of Job Scripts</a:t>
+              <a:t>Equivalent Basic Commands across Workload Schedulers</a:t>
             </a:r>
           </a:p>
         </p:txBody>
@@ -6979,7 +7285,7 @@
           <p:cNvPr id="3" name="Content Placeholder 2">
             <a:extLst>
               <a:ext uri="{FF2B5EF4-FFF2-40B4-BE49-F238E27FC236}">
-                <a16:creationId xmlns:a16="http://schemas.microsoft.com/office/drawing/2014/main" id="{C3959E85-874E-43C0-A2D3-4318AE81EB91}"/>
+                <a16:creationId xmlns:a16="http://schemas.microsoft.com/office/drawing/2014/main" xmlns="" id="{D079487C-CE65-412E-BBCE-401247007AD1}"/>
               </a:ext>
             </a:extLst>
           </p:cNvPr>
@@ -6992,8 +7298,8 @@
         </p:nvSpPr>
         <p:spPr>
           <a:xfrm>
-            <a:off x="838200" y="871538"/>
-            <a:ext cx="10515600" cy="5886449"/>
+            <a:off x="838200" y="1171574"/>
+            <a:ext cx="10515600" cy="5572125"/>
           </a:xfrm>
           <a:ln>
             <a:solidFill>
@@ -7005,30 +7311,45 @@
           <a:bodyPr/>
           <a:lstStyle/>
           <a:p>
-            <a:pPr lvl="1"/>
             <a:r>
               <a:rPr lang="en-US" dirty="0"/>
-              <a:t>Resource Manager (computing nodes, Memory, software application, job size)</a:t>
-            </a:r>
-          </a:p>
-          <a:p>
-            <a:pPr lvl="1"/>
+              <a:t>module load </a:t>
+            </a:r>
+            <a:r>
+              <a:rPr lang="en-US" dirty="0" err="1"/>
+              <a:t>OpenMPI</a:t>
+            </a:r>
             <a:endParaRPr lang="en-US" dirty="0"/>
           </a:p>
           <a:p>
-            <a:pPr lvl="1"/>
+            <a:r>
+              <a:rPr lang="en-US" dirty="0" err="1"/>
+              <a:t>sbatch</a:t>
+            </a:r>
+            <a:r>
+              <a:rPr lang="en-US" dirty="0"/>
+              <a:t> </a:t>
+            </a:r>
+            <a:r>
+              <a:rPr lang="en-US" dirty="0" err="1"/>
+              <a:t>myJobScript</a:t>
+            </a:r>
             <a:endParaRPr lang="en-US" dirty="0"/>
           </a:p>
           <a:p>
-            <a:pPr lvl="1"/>
+            <a:r>
+              <a:rPr lang="en-US" dirty="0" err="1"/>
+              <a:t>squeue</a:t>
+            </a:r>
+            <a:r>
+              <a:rPr lang="en-US" dirty="0"/>
+              <a:t> –u </a:t>
+            </a:r>
+            <a:r>
+              <a:rPr lang="en-US" dirty="0" err="1"/>
+              <a:t>haboudj</a:t>
+            </a:r>
             <a:endParaRPr lang="en-US" dirty="0"/>
-          </a:p>
-          <a:p>
-            <a:pPr lvl="1"/>
-            <a:r>
-              <a:rPr lang="en-US" dirty="0"/>
-              <a:t>Scheduling Partition (time duration needs)</a:t>
-            </a:r>
           </a:p>
           <a:p>
             <a:endParaRPr lang="en-US" dirty="0"/>
@@ -7038,7 +7359,7 @@
     </p:spTree>
     <p:extLst>
       <p:ext uri="{BB962C8B-B14F-4D97-AF65-F5344CB8AC3E}">
-        <p14:creationId xmlns:p14="http://schemas.microsoft.com/office/powerpoint/2010/main" val="2504730786"/>
+        <p14:creationId xmlns:p14="http://schemas.microsoft.com/office/powerpoint/2010/main" val="1265351521"/>
       </p:ext>
     </p:extLst>
   </p:cSld>
@@ -7070,7 +7391,7 @@
           <p:cNvPr id="2" name="Title 1">
             <a:extLst>
               <a:ext uri="{FF2B5EF4-FFF2-40B4-BE49-F238E27FC236}">
-                <a16:creationId xmlns:a16="http://schemas.microsoft.com/office/drawing/2014/main" id="{79E876EA-47CE-4846-8748-666D13086F4E}"/>
+                <a16:creationId xmlns:a16="http://schemas.microsoft.com/office/drawing/2014/main" xmlns="" id="{F5FCAC37-FCD7-4874-A923-C3B1707012B5}"/>
               </a:ext>
             </a:extLst>
           </p:cNvPr>
@@ -7083,44 +7404,19 @@
         </p:nvSpPr>
         <p:spPr>
           <a:xfrm>
-            <a:off x="838200" y="57147"/>
-            <a:ext cx="10515600" cy="1457328"/>
+            <a:off x="838200" y="100013"/>
+            <a:ext cx="10515600" cy="771525"/>
           </a:xfrm>
         </p:spPr>
         <p:txBody>
-          <a:bodyPr>
-            <a:normAutofit fontScale="90000"/>
-          </a:bodyPr>
+          <a:bodyPr/>
           <a:lstStyle/>
           <a:p>
             <a:pPr algn="ctr"/>
-            <a:br>
+            <a:r>
               <a:rPr lang="en-US" dirty="0"/>
-            </a:br>
-            <a:r>
-              <a:rPr lang="en-US" dirty="0"/>
-              <a:t>Examples of Programs &amp; Job scripts (</a:t>
-            </a:r>
-            <a:r>
-              <a:rPr lang="en-US" dirty="0" err="1"/>
-              <a:t>hello_world_mpi</a:t>
-            </a:r>
-            <a:r>
-              <a:rPr lang="en-US" dirty="0"/>
-              <a:t>, </a:t>
-            </a:r>
-            <a:r>
-              <a:rPr lang="en-US" dirty="0" err="1"/>
-              <a:t>Area_curve</a:t>
-            </a:r>
-            <a:r>
-              <a:rPr lang="en-US" dirty="0"/>
-              <a:t>)</a:t>
-            </a:r>
-            <a:br>
-              <a:rPr lang="en-US" dirty="0"/>
-            </a:br>
-            <a:endParaRPr lang="en-US" dirty="0"/>
+              <a:t>Structure of Job Scripts</a:t>
+            </a:r>
           </a:p>
         </p:txBody>
       </p:sp>
@@ -7129,7 +7425,7 @@
           <p:cNvPr id="3" name="Content Placeholder 2">
             <a:extLst>
               <a:ext uri="{FF2B5EF4-FFF2-40B4-BE49-F238E27FC236}">
-                <a16:creationId xmlns:a16="http://schemas.microsoft.com/office/drawing/2014/main" id="{A8F54BD4-45DC-4651-B41C-79284E7CAB39}"/>
+                <a16:creationId xmlns:a16="http://schemas.microsoft.com/office/drawing/2014/main" xmlns="" id="{C3959E85-874E-43C0-A2D3-4318AE81EB91}"/>
               </a:ext>
             </a:extLst>
           </p:cNvPr>
@@ -7142,8 +7438,8 @@
         </p:nvSpPr>
         <p:spPr>
           <a:xfrm>
-            <a:off x="838200" y="1357313"/>
-            <a:ext cx="10515600" cy="5314950"/>
+            <a:off x="838200" y="871538"/>
+            <a:ext cx="10515600" cy="5886449"/>
           </a:xfrm>
           <a:ln>
             <a:solidFill>
@@ -7155,6 +7451,32 @@
           <a:bodyPr/>
           <a:lstStyle/>
           <a:p>
+            <a:pPr lvl="1"/>
+            <a:r>
+              <a:rPr lang="en-US" dirty="0"/>
+              <a:t>Resource Manager (computing nodes, Memory, software application, job size)</a:t>
+            </a:r>
+          </a:p>
+          <a:p>
+            <a:pPr lvl="1"/>
+            <a:endParaRPr lang="en-US" dirty="0"/>
+          </a:p>
+          <a:p>
+            <a:pPr lvl="1"/>
+            <a:endParaRPr lang="en-US" dirty="0"/>
+          </a:p>
+          <a:p>
+            <a:pPr lvl="1"/>
+            <a:endParaRPr lang="en-US" dirty="0"/>
+          </a:p>
+          <a:p>
+            <a:pPr lvl="1"/>
+            <a:r>
+              <a:rPr lang="en-US" dirty="0"/>
+              <a:t>Scheduling Partition (time duration needs)</a:t>
+            </a:r>
+          </a:p>
+          <a:p>
             <a:endParaRPr lang="en-US" dirty="0"/>
           </a:p>
         </p:txBody>
@@ -7162,7 +7484,7 @@
     </p:spTree>
     <p:extLst>
       <p:ext uri="{BB962C8B-B14F-4D97-AF65-F5344CB8AC3E}">
-        <p14:creationId xmlns:p14="http://schemas.microsoft.com/office/powerpoint/2010/main" val="2393717663"/>
+        <p14:creationId xmlns:p14="http://schemas.microsoft.com/office/powerpoint/2010/main" val="2504730786"/>
       </p:ext>
     </p:extLst>
   </p:cSld>
@@ -7194,7 +7516,7 @@
           <p:cNvPr id="2" name="Title 1">
             <a:extLst>
               <a:ext uri="{FF2B5EF4-FFF2-40B4-BE49-F238E27FC236}">
-                <a16:creationId xmlns:a16="http://schemas.microsoft.com/office/drawing/2014/main" id="{1B4764F1-FECB-4B75-9A14-126E834E466D}"/>
+                <a16:creationId xmlns:a16="http://schemas.microsoft.com/office/drawing/2014/main" xmlns="" id="{79E876EA-47CE-4846-8748-666D13086F4E}"/>
               </a:ext>
             </a:extLst>
           </p:cNvPr>
@@ -7205,78 +7527,83 @@
             <p:ph type="title"/>
           </p:nvPr>
         </p:nvSpPr>
-        <p:spPr/>
+        <p:spPr>
+          <a:xfrm>
+            <a:off x="838200" y="57147"/>
+            <a:ext cx="10515600" cy="1457328"/>
+          </a:xfrm>
+        </p:spPr>
+        <p:txBody>
+          <a:bodyPr>
+            <a:normAutofit fontScale="90000"/>
+          </a:bodyPr>
+          <a:lstStyle/>
+          <a:p>
+            <a:pPr algn="ctr"/>
+            <a:r>
+              <a:rPr lang="en-US" dirty="0"/>
+              <a:t/>
+            </a:r>
+            <a:br>
+              <a:rPr lang="en-US" dirty="0"/>
+            </a:br>
+            <a:r>
+              <a:rPr lang="en-US" dirty="0"/>
+              <a:t>Examples of Programs &amp; Job scripts (</a:t>
+            </a:r>
+            <a:r>
+              <a:rPr lang="en-US" dirty="0" err="1"/>
+              <a:t>hello_world_mpi</a:t>
+            </a:r>
+            <a:r>
+              <a:rPr lang="en-US" dirty="0"/>
+              <a:t>, </a:t>
+            </a:r>
+            <a:r>
+              <a:rPr lang="en-US" dirty="0" err="1"/>
+              <a:t>Area_curve</a:t>
+            </a:r>
+            <a:r>
+              <a:rPr lang="en-US" dirty="0"/>
+              <a:t>)</a:t>
+            </a:r>
+            <a:br>
+              <a:rPr lang="en-US" dirty="0"/>
+            </a:br>
+            <a:endParaRPr lang="en-US" dirty="0"/>
+          </a:p>
+        </p:txBody>
+      </p:sp>
+      <p:sp>
+        <p:nvSpPr>
+          <p:cNvPr id="3" name="Content Placeholder 2">
+            <a:extLst>
+              <a:ext uri="{FF2B5EF4-FFF2-40B4-BE49-F238E27FC236}">
+                <a16:creationId xmlns:a16="http://schemas.microsoft.com/office/drawing/2014/main" xmlns="" id="{A8F54BD4-45DC-4651-B41C-79284E7CAB39}"/>
+              </a:ext>
+            </a:extLst>
+          </p:cNvPr>
+          <p:cNvSpPr>
+            <a:spLocks noGrp="1"/>
+          </p:cNvSpPr>
+          <p:nvPr>
+            <p:ph idx="1"/>
+          </p:nvPr>
+        </p:nvSpPr>
+        <p:spPr>
+          <a:xfrm>
+            <a:off x="838200" y="1357313"/>
+            <a:ext cx="10515600" cy="5314950"/>
+          </a:xfrm>
+          <a:ln>
+            <a:solidFill>
+              <a:schemeClr val="accent1"/>
+            </a:solidFill>
+          </a:ln>
+        </p:spPr>
         <p:txBody>
           <a:bodyPr/>
           <a:lstStyle/>
-          <a:p>
-            <a:pPr algn="ctr"/>
-            <a:r>
-              <a:rPr lang="en-US" dirty="0"/>
-              <a:t>Introduction</a:t>
-            </a:r>
-          </a:p>
-        </p:txBody>
-      </p:sp>
-      <p:sp>
-        <p:nvSpPr>
-          <p:cNvPr id="3" name="Content Placeholder 2">
-            <a:extLst>
-              <a:ext uri="{FF2B5EF4-FFF2-40B4-BE49-F238E27FC236}">
-                <a16:creationId xmlns:a16="http://schemas.microsoft.com/office/drawing/2014/main" id="{928EF53E-3BD0-42CF-8235-385BA7C36220}"/>
-              </a:ext>
-            </a:extLst>
-          </p:cNvPr>
-          <p:cNvSpPr>
-            <a:spLocks noGrp="1"/>
-          </p:cNvSpPr>
-          <p:nvPr>
-            <p:ph idx="1"/>
-          </p:nvPr>
-        </p:nvSpPr>
-        <p:spPr/>
-        <p:txBody>
-          <a:bodyPr/>
-          <a:lstStyle/>
-          <a:p>
-            <a:r>
-              <a:rPr lang="en-US" dirty="0"/>
-              <a:t>- Once you know what  is a cluster?</a:t>
-            </a:r>
-          </a:p>
-          <a:p>
-            <a:r>
-              <a:rPr lang="en-US" dirty="0"/>
-              <a:t>What is its architecture?</a:t>
-            </a:r>
-          </a:p>
-          <a:p>
-            <a:r>
-              <a:rPr lang="en-US" dirty="0"/>
-              <a:t>What is it used for ?</a:t>
-            </a:r>
-          </a:p>
-          <a:p>
-            <a:r>
-              <a:rPr lang="en-US" dirty="0"/>
-              <a:t>How to use it</a:t>
-            </a:r>
-          </a:p>
-          <a:p>
-            <a:pPr lvl="1"/>
-            <a:r>
-              <a:rPr lang="en-US" dirty="0" err="1"/>
-              <a:t>Slurm</a:t>
-            </a:r>
-            <a:endParaRPr lang="en-US" dirty="0"/>
-          </a:p>
-          <a:p>
-            <a:pPr lvl="1"/>
-            <a:r>
-              <a:rPr lang="en-US" dirty="0"/>
-              <a:t>PBS (Torque)</a:t>
-            </a:r>
-          </a:p>
           <a:p>
             <a:endParaRPr lang="en-US" dirty="0"/>
           </a:p>
@@ -7285,7 +7612,7 @@
     </p:spTree>
     <p:extLst>
       <p:ext uri="{BB962C8B-B14F-4D97-AF65-F5344CB8AC3E}">
-        <p14:creationId xmlns:p14="http://schemas.microsoft.com/office/powerpoint/2010/main" val="2965880916"/>
+        <p14:creationId xmlns:p14="http://schemas.microsoft.com/office/powerpoint/2010/main" val="2393717663"/>
       </p:ext>
     </p:extLst>
   </p:cSld>

--- a/units/3/lessons/7/resources/petascale-lesson-3.7-slides.pptx
+++ b/units/3/lessons/7/resources/petascale-lesson-3.7-slides.pptx
@@ -9,7 +9,7 @@
   </p:notesMasterIdLst>
   <p:sldIdLst>
     <p:sldId id="266" r:id="rId2"/>
-    <p:sldId id="267" r:id="rId3"/>
+    <p:sldId id="268" r:id="rId3"/>
     <p:sldId id="257" r:id="rId4"/>
     <p:sldId id="258" r:id="rId5"/>
     <p:sldId id="259" r:id="rId6"/>
@@ -6992,7 +6992,7 @@
         </p:nvSpPr>
         <p:spPr>
           <a:xfrm>
-            <a:off x="566059" y="0"/>
+            <a:off x="566057" y="0"/>
             <a:ext cx="8011886" cy="5143500"/>
           </a:xfrm>
         </p:spPr>
@@ -7039,7 +7039,23 @@
                 <a:ea typeface="Times New Roman" charset="0"/>
                 <a:cs typeface="Times New Roman" charset="0"/>
               </a:rPr>
-              <a:t>CC BY-NC 4.0. To view a copy of this license, visit </a:t>
+              <a:t>CC </a:t>
+            </a:r>
+            <a:r>
+              <a:rPr lang="en-US" sz="2100" dirty="0" smtClean="0">
+                <a:latin typeface="Times New Roman" charset="0"/>
+                <a:ea typeface="Times New Roman" charset="0"/>
+                <a:cs typeface="Times New Roman" charset="0"/>
+              </a:rPr>
+              <a:t>BY-SA </a:t>
+            </a:r>
+            <a:r>
+              <a:rPr lang="en-US" sz="2100" dirty="0">
+                <a:latin typeface="Times New Roman" charset="0"/>
+                <a:ea typeface="Times New Roman" charset="0"/>
+                <a:cs typeface="Times New Roman" charset="0"/>
+              </a:rPr>
+              <a:t>4.0. To view a copy of this license, visit </a:t>
             </a:r>
             <a:r>
               <a:rPr lang="en-US" sz="2100" dirty="0">
@@ -7048,7 +7064,16 @@
                 <a:cs typeface="Times New Roman" charset="0"/>
                 <a:hlinkClick r:id="rId2"/>
               </a:rPr>
-              <a:t>https://creativecommons.org/licenses/by-nc/4.0</a:t>
+              <a:t>https://</a:t>
+            </a:r>
+            <a:r>
+              <a:rPr lang="en-US" sz="2100" dirty="0" smtClean="0">
+                <a:latin typeface="Times New Roman" charset="0"/>
+                <a:ea typeface="Times New Roman" charset="0"/>
+                <a:cs typeface="Times New Roman" charset="0"/>
+                <a:hlinkClick r:id="rId2"/>
+              </a:rPr>
+              <a:t>creativecommons.org/licenses/by-sa/4.0</a:t>
             </a:r>
             <a:r>
               <a:rPr lang="en-US" sz="2100" dirty="0">
@@ -7202,20 +7227,13 @@
     </p:spTree>
     <p:extLst>
       <p:ext uri="{BB962C8B-B14F-4D97-AF65-F5344CB8AC3E}">
-        <p14:creationId xmlns:p14="http://schemas.microsoft.com/office/powerpoint/2010/main" val="1831298387"/>
+        <p14:creationId xmlns:p14="http://schemas.microsoft.com/office/powerpoint/2010/main" val="45511137"/>
       </p:ext>
     </p:extLst>
   </p:cSld>
   <p:clrMapOvr>
     <a:masterClrMapping/>
   </p:clrMapOvr>
-  <p:timing>
-    <p:tnLst>
-      <p:par>
-        <p:cTn id="1" dur="indefinite" restart="never" nodeType="tmRoot"/>
-      </p:par>
-    </p:tnLst>
-  </p:timing>
 </p:sld>
 </file>
 
